--- a/doc/2_ 프로젝트 계획서/계획서 자료/Gantt Chart, PERT Chart.pptx
+++ b/doc/2_ 프로젝트 계획서/계획서 자료/Gantt Chart, PERT Chart.pptx
@@ -8,10 +8,10 @@
     <p:notesMasterId r:id="rId6"/>
   </p:notesMasterIdLst>
   <p:sldIdLst>
-    <p:sldId id="256" r:id="rId2"/>
-    <p:sldId id="257" r:id="rId3"/>
+    <p:sldId id="260" r:id="rId2"/>
+    <p:sldId id="261" r:id="rId3"/>
     <p:sldId id="258" r:id="rId4"/>
-    <p:sldId id="259" r:id="rId5"/>
+    <p:sldId id="262" r:id="rId5"/>
   </p:sldIdLst>
   <p:sldSz cx="9144000" cy="6858000" type="screen4x3"/>
   <p:notesSz cx="6858000" cy="9144000"/>
@@ -195,7 +195,7 @@
           <a:p>
             <a:fld id="{AF7BBB94-700B-4645-9F53-F495F1C16BBE}" type="datetimeFigureOut">
               <a:rPr lang="ko-KR" altLang="en-US" smtClean="0"/>
-              <a:t>2017-05-09</a:t>
+              <a:t>2017-06-04</a:t>
             </a:fld>
             <a:endParaRPr lang="ko-KR" altLang="en-US"/>
           </a:p>
@@ -728,7 +728,7 @@
           <a:p>
             <a:fld id="{7F9793F8-ECF7-44A5-BA5F-5F48356B4D85}" type="datetimeFigureOut">
               <a:rPr lang="ko-KR" altLang="en-US" smtClean="0"/>
-              <a:t>2017-05-09</a:t>
+              <a:t>2017-06-04</a:t>
             </a:fld>
             <a:endParaRPr lang="ko-KR" altLang="en-US"/>
           </a:p>
@@ -898,7 +898,7 @@
           <a:p>
             <a:fld id="{7F9793F8-ECF7-44A5-BA5F-5F48356B4D85}" type="datetimeFigureOut">
               <a:rPr lang="ko-KR" altLang="en-US" smtClean="0"/>
-              <a:t>2017-05-09</a:t>
+              <a:t>2017-06-04</a:t>
             </a:fld>
             <a:endParaRPr lang="ko-KR" altLang="en-US"/>
           </a:p>
@@ -1078,7 +1078,7 @@
           <a:p>
             <a:fld id="{7F9793F8-ECF7-44A5-BA5F-5F48356B4D85}" type="datetimeFigureOut">
               <a:rPr lang="ko-KR" altLang="en-US" smtClean="0"/>
-              <a:t>2017-05-09</a:t>
+              <a:t>2017-06-04</a:t>
             </a:fld>
             <a:endParaRPr lang="ko-KR" altLang="en-US"/>
           </a:p>
@@ -1248,7 +1248,7 @@
           <a:p>
             <a:fld id="{7F9793F8-ECF7-44A5-BA5F-5F48356B4D85}" type="datetimeFigureOut">
               <a:rPr lang="ko-KR" altLang="en-US" smtClean="0"/>
-              <a:t>2017-05-09</a:t>
+              <a:t>2017-06-04</a:t>
             </a:fld>
             <a:endParaRPr lang="ko-KR" altLang="en-US"/>
           </a:p>
@@ -1494,7 +1494,7 @@
           <a:p>
             <a:fld id="{7F9793F8-ECF7-44A5-BA5F-5F48356B4D85}" type="datetimeFigureOut">
               <a:rPr lang="ko-KR" altLang="en-US" smtClean="0"/>
-              <a:t>2017-05-09</a:t>
+              <a:t>2017-06-04</a:t>
             </a:fld>
             <a:endParaRPr lang="ko-KR" altLang="en-US"/>
           </a:p>
@@ -1782,7 +1782,7 @@
           <a:p>
             <a:fld id="{7F9793F8-ECF7-44A5-BA5F-5F48356B4D85}" type="datetimeFigureOut">
               <a:rPr lang="ko-KR" altLang="en-US" smtClean="0"/>
-              <a:t>2017-05-09</a:t>
+              <a:t>2017-06-04</a:t>
             </a:fld>
             <a:endParaRPr lang="ko-KR" altLang="en-US"/>
           </a:p>
@@ -2204,7 +2204,7 @@
           <a:p>
             <a:fld id="{7F9793F8-ECF7-44A5-BA5F-5F48356B4D85}" type="datetimeFigureOut">
               <a:rPr lang="ko-KR" altLang="en-US" smtClean="0"/>
-              <a:t>2017-05-09</a:t>
+              <a:t>2017-06-04</a:t>
             </a:fld>
             <a:endParaRPr lang="ko-KR" altLang="en-US"/>
           </a:p>
@@ -2322,7 +2322,7 @@
           <a:p>
             <a:fld id="{7F9793F8-ECF7-44A5-BA5F-5F48356B4D85}" type="datetimeFigureOut">
               <a:rPr lang="ko-KR" altLang="en-US" smtClean="0"/>
-              <a:t>2017-05-09</a:t>
+              <a:t>2017-06-04</a:t>
             </a:fld>
             <a:endParaRPr lang="ko-KR" altLang="en-US"/>
           </a:p>
@@ -2417,7 +2417,7 @@
           <a:p>
             <a:fld id="{7F9793F8-ECF7-44A5-BA5F-5F48356B4D85}" type="datetimeFigureOut">
               <a:rPr lang="ko-KR" altLang="en-US" smtClean="0"/>
-              <a:t>2017-05-09</a:t>
+              <a:t>2017-06-04</a:t>
             </a:fld>
             <a:endParaRPr lang="ko-KR" altLang="en-US"/>
           </a:p>
@@ -2694,7 +2694,7 @@
           <a:p>
             <a:fld id="{7F9793F8-ECF7-44A5-BA5F-5F48356B4D85}" type="datetimeFigureOut">
               <a:rPr lang="ko-KR" altLang="en-US" smtClean="0"/>
-              <a:t>2017-05-09</a:t>
+              <a:t>2017-06-04</a:t>
             </a:fld>
             <a:endParaRPr lang="ko-KR" altLang="en-US"/>
           </a:p>
@@ -2947,7 +2947,7 @@
           <a:p>
             <a:fld id="{7F9793F8-ECF7-44A5-BA5F-5F48356B4D85}" type="datetimeFigureOut">
               <a:rPr lang="ko-KR" altLang="en-US" smtClean="0"/>
-              <a:t>2017-05-09</a:t>
+              <a:t>2017-06-04</a:t>
             </a:fld>
             <a:endParaRPr lang="ko-KR" altLang="en-US"/>
           </a:p>
@@ -3160,7 +3160,7 @@
           <a:p>
             <a:fld id="{7F9793F8-ECF7-44A5-BA5F-5F48356B4D85}" type="datetimeFigureOut">
               <a:rPr lang="ko-KR" altLang="en-US" smtClean="0"/>
-              <a:t>2017-05-09</a:t>
+              <a:t>2017-06-04</a:t>
             </a:fld>
             <a:endParaRPr lang="ko-KR" altLang="en-US"/>
           </a:p>
@@ -3544,14 +3544,14 @@
           <p:nvPr>
             <p:extLst>
               <p:ext uri="{D42A27DB-BD31-4B8C-83A1-F6EECF244321}">
-                <p14:modId xmlns:p14="http://schemas.microsoft.com/office/powerpoint/2010/main" val="3144338384"/>
+                <p14:modId xmlns:p14="http://schemas.microsoft.com/office/powerpoint/2010/main" val="1991994842"/>
               </p:ext>
             </p:extLst>
           </p:nvPr>
         </p:nvGraphicFramePr>
         <p:xfrm>
-          <a:off x="539551" y="836707"/>
-          <a:ext cx="4797993" cy="5233455"/>
+          <a:off x="371475" y="836707"/>
+          <a:ext cx="4966069" cy="5541285"/>
         </p:xfrm>
         <a:graphic>
           <a:graphicData uri="http://schemas.openxmlformats.org/drawingml/2006/table">
@@ -3560,11 +3560,11 @@
                 <a:tableStyleId>{5C22544A-7EE6-4342-B048-85BDC9FD1C3A}</a:tableStyleId>
               </a:tblPr>
               <a:tblGrid>
-                <a:gridCol w="342951"/>
-                <a:gridCol w="1903228"/>
-                <a:gridCol w="1010093"/>
-                <a:gridCol w="967563"/>
-                <a:gridCol w="574158"/>
+                <a:gridCol w="354965"/>
+                <a:gridCol w="1969899"/>
+                <a:gridCol w="1045477"/>
+                <a:gridCol w="1001457"/>
+                <a:gridCol w="594271"/>
               </a:tblGrid>
               <a:tr h="615659">
                 <a:tc>
@@ -7970,7 +7970,340 @@
                             <a:schemeClr val="tx1"/>
                           </a:solidFill>
                         </a:rPr>
-                        <a:t>테스트 케이스</a:t>
+                        <a:t>요구사항 변경</a:t>
+                      </a:r>
+                      <a:r>
+                        <a:rPr lang="ko-KR" altLang="en-US" sz="1050" baseline="0" dirty="0" smtClean="0">
+                          <a:solidFill>
+                            <a:schemeClr val="tx1"/>
+                          </a:solidFill>
+                        </a:rPr>
+                        <a:t> 적용</a:t>
+                      </a:r>
+                      <a:endParaRPr lang="ko-KR" altLang="en-US" sz="1050" dirty="0">
+                        <a:solidFill>
+                          <a:schemeClr val="tx1"/>
+                        </a:solidFill>
+                      </a:endParaRPr>
+                    </a:p>
+                  </a:txBody>
+                  <a:tcPr>
+                    <a:lnL w="12700" cap="flat" cmpd="sng" algn="ctr">
+                      <a:solidFill>
+                        <a:schemeClr val="tx1"/>
+                      </a:solidFill>
+                      <a:prstDash val="solid"/>
+                      <a:round/>
+                      <a:headEnd type="none" w="med" len="med"/>
+                      <a:tailEnd type="none" w="med" len="med"/>
+                    </a:lnL>
+                    <a:lnR w="12700" cap="flat" cmpd="sng" algn="ctr">
+                      <a:solidFill>
+                        <a:schemeClr val="tx1"/>
+                      </a:solidFill>
+                      <a:prstDash val="solid"/>
+                      <a:round/>
+                      <a:headEnd type="none" w="med" len="med"/>
+                      <a:tailEnd type="none" w="med" len="med"/>
+                    </a:lnR>
+                    <a:lnT w="12700" cap="flat" cmpd="sng" algn="ctr">
+                      <a:solidFill>
+                        <a:schemeClr val="tx1"/>
+                      </a:solidFill>
+                      <a:prstDash val="solid"/>
+                      <a:round/>
+                      <a:headEnd type="none" w="med" len="med"/>
+                      <a:tailEnd type="none" w="med" len="med"/>
+                    </a:lnT>
+                    <a:lnB w="12700" cap="flat" cmpd="sng" algn="ctr">
+                      <a:solidFill>
+                        <a:schemeClr val="tx1"/>
+                      </a:solidFill>
+                      <a:prstDash val="solid"/>
+                      <a:round/>
+                      <a:headEnd type="none" w="med" len="med"/>
+                      <a:tailEnd type="none" w="med" len="med"/>
+                    </a:lnB>
+                    <a:solidFill>
+                      <a:schemeClr val="bg1"/>
+                    </a:solidFill>
+                  </a:tcPr>
+                </a:tc>
+                <a:tc>
+                  <a:txBody>
+                    <a:bodyPr/>
+                    <a:lstStyle/>
+                    <a:p>
+                      <a:pPr latinLnBrk="1"/>
+                      <a:r>
+                        <a:rPr lang="en-US" altLang="ko-KR" sz="1050" dirty="0" smtClean="0">
+                          <a:solidFill>
+                            <a:schemeClr val="tx1"/>
+                          </a:solidFill>
+                        </a:rPr>
+                        <a:t>2017-6-3</a:t>
+                      </a:r>
+                      <a:endParaRPr lang="ko-KR" altLang="en-US" sz="1050" dirty="0">
+                        <a:solidFill>
+                          <a:schemeClr val="tx1"/>
+                        </a:solidFill>
+                      </a:endParaRPr>
+                    </a:p>
+                  </a:txBody>
+                  <a:tcPr>
+                    <a:lnL w="12700" cap="flat" cmpd="sng" algn="ctr">
+                      <a:solidFill>
+                        <a:schemeClr val="tx1"/>
+                      </a:solidFill>
+                      <a:prstDash val="solid"/>
+                      <a:round/>
+                      <a:headEnd type="none" w="med" len="med"/>
+                      <a:tailEnd type="none" w="med" len="med"/>
+                    </a:lnL>
+                    <a:lnR w="12700" cap="flat" cmpd="sng" algn="ctr">
+                      <a:solidFill>
+                        <a:schemeClr val="tx1"/>
+                      </a:solidFill>
+                      <a:prstDash val="solid"/>
+                      <a:round/>
+                      <a:headEnd type="none" w="med" len="med"/>
+                      <a:tailEnd type="none" w="med" len="med"/>
+                    </a:lnR>
+                    <a:lnT w="12700" cap="flat" cmpd="sng" algn="ctr">
+                      <a:solidFill>
+                        <a:schemeClr val="tx1"/>
+                      </a:solidFill>
+                      <a:prstDash val="solid"/>
+                      <a:round/>
+                      <a:headEnd type="none" w="med" len="med"/>
+                      <a:tailEnd type="none" w="med" len="med"/>
+                    </a:lnT>
+                    <a:lnB w="12700" cap="flat" cmpd="sng" algn="ctr">
+                      <a:solidFill>
+                        <a:schemeClr val="tx1"/>
+                      </a:solidFill>
+                      <a:prstDash val="solid"/>
+                      <a:round/>
+                      <a:headEnd type="none" w="med" len="med"/>
+                      <a:tailEnd type="none" w="med" len="med"/>
+                    </a:lnB>
+                    <a:solidFill>
+                      <a:schemeClr val="bg1"/>
+                    </a:solidFill>
+                  </a:tcPr>
+                </a:tc>
+                <a:tc>
+                  <a:txBody>
+                    <a:bodyPr/>
+                    <a:lstStyle/>
+                    <a:p>
+                      <a:pPr latinLnBrk="1"/>
+                      <a:r>
+                        <a:rPr lang="en-US" altLang="ko-KR" sz="1050" dirty="0" smtClean="0">
+                          <a:solidFill>
+                            <a:schemeClr val="tx1"/>
+                          </a:solidFill>
+                        </a:rPr>
+                        <a:t>2017-6-5</a:t>
+                      </a:r>
+                      <a:endParaRPr lang="ko-KR" altLang="en-US" sz="1050" dirty="0">
+                        <a:solidFill>
+                          <a:schemeClr val="tx1"/>
+                        </a:solidFill>
+                      </a:endParaRPr>
+                    </a:p>
+                  </a:txBody>
+                  <a:tcPr>
+                    <a:lnL w="12700" cap="flat" cmpd="sng" algn="ctr">
+                      <a:solidFill>
+                        <a:schemeClr val="tx1"/>
+                      </a:solidFill>
+                      <a:prstDash val="solid"/>
+                      <a:round/>
+                      <a:headEnd type="none" w="med" len="med"/>
+                      <a:tailEnd type="none" w="med" len="med"/>
+                    </a:lnL>
+                    <a:lnR w="12700" cap="flat" cmpd="sng" algn="ctr">
+                      <a:solidFill>
+                        <a:schemeClr val="tx1"/>
+                      </a:solidFill>
+                      <a:prstDash val="solid"/>
+                      <a:round/>
+                      <a:headEnd type="none" w="med" len="med"/>
+                      <a:tailEnd type="none" w="med" len="med"/>
+                    </a:lnR>
+                    <a:lnT w="12700" cap="flat" cmpd="sng" algn="ctr">
+                      <a:solidFill>
+                        <a:schemeClr val="tx1"/>
+                      </a:solidFill>
+                      <a:prstDash val="solid"/>
+                      <a:round/>
+                      <a:headEnd type="none" w="med" len="med"/>
+                      <a:tailEnd type="none" w="med" len="med"/>
+                    </a:lnT>
+                    <a:lnB w="12700" cap="flat" cmpd="sng" algn="ctr">
+                      <a:solidFill>
+                        <a:schemeClr val="tx1"/>
+                      </a:solidFill>
+                      <a:prstDash val="solid"/>
+                      <a:round/>
+                      <a:headEnd type="none" w="med" len="med"/>
+                      <a:tailEnd type="none" w="med" len="med"/>
+                    </a:lnB>
+                    <a:solidFill>
+                      <a:schemeClr val="bg1"/>
+                    </a:solidFill>
+                  </a:tcPr>
+                </a:tc>
+                <a:tc>
+                  <a:txBody>
+                    <a:bodyPr/>
+                    <a:lstStyle/>
+                    <a:p>
+                      <a:pPr algn="ctr" latinLnBrk="1"/>
+                      <a:r>
+                        <a:rPr lang="en-US" altLang="ko-KR" sz="1050" dirty="0" smtClean="0">
+                          <a:solidFill>
+                            <a:schemeClr val="tx1"/>
+                          </a:solidFill>
+                        </a:rPr>
+                        <a:t>3 </a:t>
+                      </a:r>
+                      <a:r>
+                        <a:rPr lang="ko-KR" altLang="en-US" sz="1050" dirty="0" smtClean="0">
+                          <a:solidFill>
+                            <a:schemeClr val="tx1"/>
+                          </a:solidFill>
+                        </a:rPr>
+                        <a:t>일</a:t>
+                      </a:r>
+                      <a:endParaRPr lang="ko-KR" altLang="en-US" sz="1050" dirty="0">
+                        <a:solidFill>
+                          <a:schemeClr val="tx1"/>
+                        </a:solidFill>
+                      </a:endParaRPr>
+                    </a:p>
+                  </a:txBody>
+                  <a:tcPr>
+                    <a:lnL w="12700" cap="flat" cmpd="sng" algn="ctr">
+                      <a:solidFill>
+                        <a:schemeClr val="tx1"/>
+                      </a:solidFill>
+                      <a:prstDash val="solid"/>
+                      <a:round/>
+                      <a:headEnd type="none" w="med" len="med"/>
+                      <a:tailEnd type="none" w="med" len="med"/>
+                    </a:lnL>
+                    <a:lnR w="12700" cap="flat" cmpd="sng" algn="ctr">
+                      <a:solidFill>
+                        <a:schemeClr val="tx1"/>
+                      </a:solidFill>
+                      <a:prstDash val="solid"/>
+                      <a:round/>
+                      <a:headEnd type="none" w="med" len="med"/>
+                      <a:tailEnd type="none" w="med" len="med"/>
+                    </a:lnR>
+                    <a:lnT w="12700" cap="flat" cmpd="sng" algn="ctr">
+                      <a:solidFill>
+                        <a:schemeClr val="tx1"/>
+                      </a:solidFill>
+                      <a:prstDash val="solid"/>
+                      <a:round/>
+                      <a:headEnd type="none" w="med" len="med"/>
+                      <a:tailEnd type="none" w="med" len="med"/>
+                    </a:lnT>
+                    <a:lnB w="12700" cap="flat" cmpd="sng" algn="ctr">
+                      <a:solidFill>
+                        <a:schemeClr val="tx1"/>
+                      </a:solidFill>
+                      <a:prstDash val="solid"/>
+                      <a:round/>
+                      <a:headEnd type="none" w="med" len="med"/>
+                      <a:tailEnd type="none" w="med" len="med"/>
+                    </a:lnB>
+                    <a:solidFill>
+                      <a:schemeClr val="bg1"/>
+                    </a:solidFill>
+                  </a:tcPr>
+                </a:tc>
+              </a:tr>
+              <a:tr h="307830">
+                <a:tc>
+                  <a:txBody>
+                    <a:bodyPr/>
+                    <a:lstStyle/>
+                    <a:p>
+                      <a:pPr algn="ctr" latinLnBrk="1"/>
+                      <a:r>
+                        <a:rPr lang="en-US" altLang="ko-KR" sz="1050" dirty="0" smtClean="0">
+                          <a:solidFill>
+                            <a:schemeClr val="tx1"/>
+                          </a:solidFill>
+                        </a:rPr>
+                        <a:t>14</a:t>
+                      </a:r>
+                      <a:endParaRPr lang="ko-KR" altLang="en-US" sz="1050" dirty="0">
+                        <a:solidFill>
+                          <a:schemeClr val="tx1"/>
+                        </a:solidFill>
+                      </a:endParaRPr>
+                    </a:p>
+                  </a:txBody>
+                  <a:tcPr>
+                    <a:lnL w="12700" cap="flat" cmpd="sng" algn="ctr">
+                      <a:solidFill>
+                        <a:schemeClr val="tx1"/>
+                      </a:solidFill>
+                      <a:prstDash val="solid"/>
+                      <a:round/>
+                      <a:headEnd type="none" w="med" len="med"/>
+                      <a:tailEnd type="none" w="med" len="med"/>
+                    </a:lnL>
+                    <a:lnR w="12700" cap="flat" cmpd="sng" algn="ctr">
+                      <a:solidFill>
+                        <a:schemeClr val="tx1"/>
+                      </a:solidFill>
+                      <a:prstDash val="solid"/>
+                      <a:round/>
+                      <a:headEnd type="none" w="med" len="med"/>
+                      <a:tailEnd type="none" w="med" len="med"/>
+                    </a:lnR>
+                    <a:lnT w="12700" cap="flat" cmpd="sng" algn="ctr">
+                      <a:solidFill>
+                        <a:schemeClr val="tx1"/>
+                      </a:solidFill>
+                      <a:prstDash val="solid"/>
+                      <a:round/>
+                      <a:headEnd type="none" w="med" len="med"/>
+                      <a:tailEnd type="none" w="med" len="med"/>
+                    </a:lnT>
+                    <a:lnB w="12700" cap="flat" cmpd="sng" algn="ctr">
+                      <a:solidFill>
+                        <a:schemeClr val="tx1"/>
+                      </a:solidFill>
+                      <a:prstDash val="solid"/>
+                      <a:round/>
+                      <a:headEnd type="none" w="med" len="med"/>
+                      <a:tailEnd type="none" w="med" len="med"/>
+                    </a:lnB>
+                    <a:solidFill>
+                      <a:schemeClr val="bg1"/>
+                    </a:solidFill>
+                  </a:tcPr>
+                </a:tc>
+                <a:tc>
+                  <a:txBody>
+                    <a:bodyPr/>
+                    <a:lstStyle/>
+                    <a:p>
+                      <a:pPr latinLnBrk="1"/>
+                      <a:r>
+                        <a:rPr lang="ko-KR" altLang="en-US" sz="1050" dirty="0" smtClean="0">
+                          <a:solidFill>
+                            <a:schemeClr val="tx1"/>
+                          </a:solidFill>
+                        </a:rPr>
+                        <a:t>테스트 케이스 </a:t>
                       </a:r>
                       <a:r>
                         <a:rPr lang="en-US" altLang="ko-KR" sz="1050" dirty="0" smtClean="0">
@@ -7978,7 +8311,7 @@
                             <a:schemeClr val="tx1"/>
                           </a:solidFill>
                         </a:rPr>
-                        <a:t>&amp;</a:t>
+                        <a:t>&amp; </a:t>
                       </a:r>
                       <a:r>
                         <a:rPr lang="ko-KR" altLang="en-US" sz="1050" dirty="0" smtClean="0">
@@ -8049,7 +8382,7 @@
                             <a:schemeClr val="tx1"/>
                           </a:solidFill>
                         </a:rPr>
-                        <a:t>2017-6-3</a:t>
+                        <a:t>2017-6-6</a:t>
                       </a:r>
                       <a:endParaRPr lang="ko-KR" altLang="en-US" sz="1050" dirty="0">
                         <a:solidFill>
@@ -8175,7 +8508,7 @@
                             <a:schemeClr val="tx1"/>
                           </a:solidFill>
                         </a:rPr>
-                        <a:t>5 </a:t>
+                        <a:t>2 </a:t>
                       </a:r>
                       <a:r>
                         <a:rPr lang="ko-KR" altLang="en-US" sz="1050" dirty="0" smtClean="0">
@@ -8248,7 +8581,7 @@
                             <a:schemeClr val="tx1"/>
                           </a:solidFill>
                         </a:rPr>
-                        <a:t>14</a:t>
+                        <a:t>15</a:t>
                       </a:r>
                       <a:endParaRPr lang="ko-KR" altLang="en-US" sz="1050" dirty="0">
                         <a:solidFill>
@@ -8600,7 +8933,7 @@
                             <a:schemeClr val="tx1"/>
                           </a:solidFill>
                         </a:rPr>
-                        <a:t>15</a:t>
+                        <a:t>16</a:t>
                       </a:r>
                       <a:endParaRPr lang="ko-KR" altLang="en-US" sz="1050" dirty="0">
                         <a:solidFill>
@@ -8986,7 +9319,7 @@
     </p:spTree>
     <p:extLst>
       <p:ext uri="{BB962C8B-B14F-4D97-AF65-F5344CB8AC3E}">
-        <p14:creationId xmlns:p14="http://schemas.microsoft.com/office/powerpoint/2010/main" val="421504575"/>
+        <p14:creationId xmlns:p14="http://schemas.microsoft.com/office/powerpoint/2010/main" val="4009317437"/>
       </p:ext>
     </p:extLst>
   </p:cSld>
@@ -9077,14 +9410,14 @@
           <p:nvPr>
             <p:extLst>
               <p:ext uri="{D42A27DB-BD31-4B8C-83A1-F6EECF244321}">
-                <p14:modId xmlns:p14="http://schemas.microsoft.com/office/powerpoint/2010/main" val="3822601450"/>
+                <p14:modId xmlns:p14="http://schemas.microsoft.com/office/powerpoint/2010/main" val="2979166062"/>
               </p:ext>
             </p:extLst>
           </p:nvPr>
         </p:nvGraphicFramePr>
         <p:xfrm>
-          <a:off x="-392624" y="307424"/>
-          <a:ext cx="9789160" cy="6217920"/>
+          <a:off x="-392624" y="174074"/>
+          <a:ext cx="9789160" cy="6583680"/>
         </p:xfrm>
         <a:graphic>
           <a:graphicData uri="http://schemas.openxmlformats.org/drawingml/2006/table">
@@ -16576,7 +16909,7 @@
                     <a:lstStyle/>
                     <a:p>
                       <a:pPr latinLnBrk="1"/>
-                      <a:endParaRPr lang="ko-KR" altLang="en-US"/>
+                      <a:endParaRPr lang="ko-KR" altLang="en-US" dirty="0"/>
                     </a:p>
                   </a:txBody>
                   <a:tcPr/>
@@ -17685,7 +18018,7 @@
                   </a:txBody>
                   <a:tcPr/>
                 </a:tc>
-                <a:tc gridSpan="5">
+                <a:tc gridSpan="3">
                   <a:txBody>
                     <a:bodyPr/>
                     <a:lstStyle/>
@@ -17718,7 +18051,7 @@
                   </a:txBody>
                   <a:tcPr/>
                 </a:tc>
-                <a:tc hMerge="1">
+                <a:tc>
                   <a:txBody>
                     <a:bodyPr/>
                     <a:lstStyle/>
@@ -17729,7 +18062,7 @@
                   </a:txBody>
                   <a:tcPr/>
                 </a:tc>
-                <a:tc hMerge="1">
+                <a:tc>
                   <a:txBody>
                     <a:bodyPr/>
                     <a:lstStyle/>
@@ -18237,24 +18570,24 @@
                   </a:txBody>
                   <a:tcPr/>
                 </a:tc>
-                <a:tc>
-                  <a:txBody>
-                    <a:bodyPr/>
-                    <a:lstStyle/>
-                    <a:p>
-                      <a:pPr latinLnBrk="1"/>
-                      <a:endParaRPr lang="ko-KR" altLang="en-US"/>
-                    </a:p>
-                  </a:txBody>
-                  <a:tcPr/>
-                </a:tc>
-                <a:tc>
-                  <a:txBody>
-                    <a:bodyPr/>
-                    <a:lstStyle/>
-                    <a:p>
-                      <a:pPr latinLnBrk="1"/>
-                      <a:endParaRPr lang="ko-KR" altLang="en-US"/>
+                <a:tc gridSpan="2">
+                  <a:txBody>
+                    <a:bodyPr/>
+                    <a:lstStyle/>
+                    <a:p>
+                      <a:pPr latinLnBrk="1"/>
+                      <a:endParaRPr lang="ko-KR" altLang="en-US" dirty="0"/>
+                    </a:p>
+                  </a:txBody>
+                  <a:tcPr/>
+                </a:tc>
+                <a:tc hMerge="1">
+                  <a:txBody>
+                    <a:bodyPr/>
+                    <a:lstStyle/>
+                    <a:p>
+                      <a:pPr latinLnBrk="1"/>
+                      <a:endParaRPr lang="ko-KR" altLang="en-US" dirty="0"/>
                     </a:p>
                   </a:txBody>
                   <a:tcPr/>
@@ -18509,248 +18842,6 @@
                     <a:lstStyle/>
                     <a:p>
                       <a:pPr latinLnBrk="1"/>
-                      <a:endParaRPr lang="ko-KR" altLang="en-US"/>
-                    </a:p>
-                  </a:txBody>
-                  <a:tcPr/>
-                </a:tc>
-                <a:tc>
-                  <a:txBody>
-                    <a:bodyPr/>
-                    <a:lstStyle/>
-                    <a:p>
-                      <a:pPr latinLnBrk="1"/>
-                      <a:endParaRPr lang="ko-KR" altLang="en-US"/>
-                    </a:p>
-                  </a:txBody>
-                  <a:tcPr/>
-                </a:tc>
-                <a:tc>
-                  <a:txBody>
-                    <a:bodyPr/>
-                    <a:lstStyle/>
-                    <a:p>
-                      <a:pPr latinLnBrk="1"/>
-                      <a:endParaRPr lang="ko-KR" altLang="en-US"/>
-                    </a:p>
-                  </a:txBody>
-                  <a:tcPr/>
-                </a:tc>
-                <a:tc>
-                  <a:txBody>
-                    <a:bodyPr/>
-                    <a:lstStyle/>
-                    <a:p>
-                      <a:pPr latinLnBrk="1"/>
-                      <a:endParaRPr lang="ko-KR" altLang="en-US"/>
-                    </a:p>
-                  </a:txBody>
-                  <a:tcPr/>
-                </a:tc>
-                <a:tc>
-                  <a:txBody>
-                    <a:bodyPr/>
-                    <a:lstStyle/>
-                    <a:p>
-                      <a:pPr latinLnBrk="1"/>
-                      <a:endParaRPr lang="ko-KR" altLang="en-US"/>
-                    </a:p>
-                  </a:txBody>
-                  <a:tcPr/>
-                </a:tc>
-                <a:tc>
-                  <a:txBody>
-                    <a:bodyPr/>
-                    <a:lstStyle/>
-                    <a:p>
-                      <a:pPr latinLnBrk="1"/>
-                      <a:endParaRPr lang="ko-KR" altLang="en-US"/>
-                    </a:p>
-                  </a:txBody>
-                  <a:tcPr/>
-                </a:tc>
-                <a:tc>
-                  <a:txBody>
-                    <a:bodyPr/>
-                    <a:lstStyle/>
-                    <a:p>
-                      <a:pPr latinLnBrk="1"/>
-                      <a:endParaRPr lang="ko-KR" altLang="en-US"/>
-                    </a:p>
-                  </a:txBody>
-                  <a:tcPr/>
-                </a:tc>
-                <a:tc>
-                  <a:txBody>
-                    <a:bodyPr/>
-                    <a:lstStyle/>
-                    <a:p>
-                      <a:pPr latinLnBrk="1"/>
-                      <a:endParaRPr lang="ko-KR" altLang="en-US"/>
-                    </a:p>
-                  </a:txBody>
-                  <a:tcPr/>
-                </a:tc>
-                <a:tc>
-                  <a:txBody>
-                    <a:bodyPr/>
-                    <a:lstStyle/>
-                    <a:p>
-                      <a:pPr latinLnBrk="1"/>
-                      <a:endParaRPr lang="ko-KR" altLang="en-US"/>
-                    </a:p>
-                  </a:txBody>
-                  <a:tcPr/>
-                </a:tc>
-                <a:tc>
-                  <a:txBody>
-                    <a:bodyPr/>
-                    <a:lstStyle/>
-                    <a:p>
-                      <a:pPr latinLnBrk="1"/>
-                      <a:endParaRPr lang="ko-KR" altLang="en-US"/>
-                    </a:p>
-                  </a:txBody>
-                  <a:tcPr/>
-                </a:tc>
-                <a:tc>
-                  <a:txBody>
-                    <a:bodyPr/>
-                    <a:lstStyle/>
-                    <a:p>
-                      <a:pPr latinLnBrk="1"/>
-                      <a:endParaRPr lang="ko-KR" altLang="en-US"/>
-                    </a:p>
-                  </a:txBody>
-                  <a:tcPr/>
-                </a:tc>
-                <a:tc>
-                  <a:txBody>
-                    <a:bodyPr/>
-                    <a:lstStyle/>
-                    <a:p>
-                      <a:pPr latinLnBrk="1"/>
-                      <a:endParaRPr lang="ko-KR" altLang="en-US"/>
-                    </a:p>
-                  </a:txBody>
-                  <a:tcPr/>
-                </a:tc>
-                <a:tc>
-                  <a:txBody>
-                    <a:bodyPr/>
-                    <a:lstStyle/>
-                    <a:p>
-                      <a:pPr latinLnBrk="1"/>
-                      <a:endParaRPr lang="ko-KR" altLang="en-US"/>
-                    </a:p>
-                  </a:txBody>
-                  <a:tcPr/>
-                </a:tc>
-                <a:tc>
-                  <a:txBody>
-                    <a:bodyPr/>
-                    <a:lstStyle/>
-                    <a:p>
-                      <a:pPr latinLnBrk="1"/>
-                      <a:endParaRPr lang="ko-KR" altLang="en-US"/>
-                    </a:p>
-                  </a:txBody>
-                  <a:tcPr/>
-                </a:tc>
-                <a:tc>
-                  <a:txBody>
-                    <a:bodyPr/>
-                    <a:lstStyle/>
-                    <a:p>
-                      <a:pPr latinLnBrk="1"/>
-                      <a:endParaRPr lang="ko-KR" altLang="en-US"/>
-                    </a:p>
-                  </a:txBody>
-                  <a:tcPr/>
-                </a:tc>
-                <a:tc>
-                  <a:txBody>
-                    <a:bodyPr/>
-                    <a:lstStyle/>
-                    <a:p>
-                      <a:pPr latinLnBrk="1"/>
-                      <a:endParaRPr lang="ko-KR" altLang="en-US"/>
-                    </a:p>
-                  </a:txBody>
-                  <a:tcPr/>
-                </a:tc>
-                <a:tc>
-                  <a:txBody>
-                    <a:bodyPr/>
-                    <a:lstStyle/>
-                    <a:p>
-                      <a:pPr latinLnBrk="1"/>
-                      <a:endParaRPr lang="ko-KR" altLang="en-US"/>
-                    </a:p>
-                  </a:txBody>
-                  <a:tcPr/>
-                </a:tc>
-                <a:tc>
-                  <a:txBody>
-                    <a:bodyPr/>
-                    <a:lstStyle/>
-                    <a:p>
-                      <a:pPr latinLnBrk="1"/>
-                      <a:endParaRPr lang="ko-KR" altLang="en-US"/>
-                    </a:p>
-                  </a:txBody>
-                  <a:tcPr/>
-                </a:tc>
-                <a:tc>
-                  <a:txBody>
-                    <a:bodyPr/>
-                    <a:lstStyle/>
-                    <a:p>
-                      <a:pPr latinLnBrk="1"/>
-                      <a:endParaRPr lang="ko-KR" altLang="en-US"/>
-                    </a:p>
-                  </a:txBody>
-                  <a:tcPr/>
-                </a:tc>
-                <a:tc>
-                  <a:txBody>
-                    <a:bodyPr/>
-                    <a:lstStyle/>
-                    <a:p>
-                      <a:pPr latinLnBrk="1"/>
-                      <a:endParaRPr lang="ko-KR" altLang="en-US"/>
-                    </a:p>
-                  </a:txBody>
-                  <a:tcPr/>
-                </a:tc>
-                <a:tc>
-                  <a:txBody>
-                    <a:bodyPr/>
-                    <a:lstStyle/>
-                    <a:p>
-                      <a:pPr latinLnBrk="1"/>
-                      <a:endParaRPr lang="ko-KR" altLang="en-US"/>
-                    </a:p>
-                  </a:txBody>
-                  <a:tcPr/>
-                </a:tc>
-                <a:tc>
-                  <a:txBody>
-                    <a:bodyPr/>
-                    <a:lstStyle/>
-                    <a:p>
-                      <a:pPr latinLnBrk="1"/>
-                      <a:endParaRPr lang="ko-KR" altLang="en-US"/>
-                    </a:p>
-                  </a:txBody>
-                  <a:tcPr/>
-                </a:tc>
-                <a:tc>
-                  <a:txBody>
-                    <a:bodyPr/>
-                    <a:lstStyle/>
-                    <a:p>
-                      <a:pPr latinLnBrk="1"/>
                       <a:endParaRPr lang="ko-KR" altLang="en-US" dirty="0"/>
                     </a:p>
                   </a:txBody>
@@ -18773,11 +18864,772 @@
                     <a:lstStyle/>
                     <a:p>
                       <a:pPr latinLnBrk="1"/>
+                      <a:endParaRPr lang="ko-KR" altLang="en-US"/>
+                    </a:p>
+                  </a:txBody>
+                  <a:tcPr/>
+                </a:tc>
+                <a:tc>
+                  <a:txBody>
+                    <a:bodyPr/>
+                    <a:lstStyle/>
+                    <a:p>
+                      <a:pPr latinLnBrk="1"/>
+                      <a:endParaRPr lang="ko-KR" altLang="en-US"/>
+                    </a:p>
+                  </a:txBody>
+                  <a:tcPr/>
+                </a:tc>
+                <a:tc>
+                  <a:txBody>
+                    <a:bodyPr/>
+                    <a:lstStyle/>
+                    <a:p>
+                      <a:pPr latinLnBrk="1"/>
+                      <a:endParaRPr lang="ko-KR" altLang="en-US"/>
+                    </a:p>
+                  </a:txBody>
+                  <a:tcPr/>
+                </a:tc>
+                <a:tc>
+                  <a:txBody>
+                    <a:bodyPr/>
+                    <a:lstStyle/>
+                    <a:p>
+                      <a:pPr latinLnBrk="1"/>
+                      <a:endParaRPr lang="ko-KR" altLang="en-US"/>
+                    </a:p>
+                  </a:txBody>
+                  <a:tcPr/>
+                </a:tc>
+                <a:tc>
+                  <a:txBody>
+                    <a:bodyPr/>
+                    <a:lstStyle/>
+                    <a:p>
+                      <a:pPr latinLnBrk="1"/>
+                      <a:endParaRPr lang="ko-KR" altLang="en-US"/>
+                    </a:p>
+                  </a:txBody>
+                  <a:tcPr/>
+                </a:tc>
+                <a:tc>
+                  <a:txBody>
+                    <a:bodyPr/>
+                    <a:lstStyle/>
+                    <a:p>
+                      <a:pPr latinLnBrk="1"/>
+                      <a:endParaRPr lang="ko-KR" altLang="en-US"/>
+                    </a:p>
+                  </a:txBody>
+                  <a:tcPr/>
+                </a:tc>
+                <a:tc>
+                  <a:txBody>
+                    <a:bodyPr/>
+                    <a:lstStyle/>
+                    <a:p>
+                      <a:pPr latinLnBrk="1"/>
+                      <a:endParaRPr lang="ko-KR" altLang="en-US"/>
+                    </a:p>
+                  </a:txBody>
+                  <a:tcPr/>
+                </a:tc>
+                <a:tc>
+                  <a:txBody>
+                    <a:bodyPr/>
+                    <a:lstStyle/>
+                    <a:p>
+                      <a:pPr latinLnBrk="1"/>
+                      <a:endParaRPr lang="ko-KR" altLang="en-US"/>
+                    </a:p>
+                  </a:txBody>
+                  <a:tcPr/>
+                </a:tc>
+                <a:tc>
+                  <a:txBody>
+                    <a:bodyPr/>
+                    <a:lstStyle/>
+                    <a:p>
+                      <a:pPr latinLnBrk="1"/>
+                      <a:endParaRPr lang="ko-KR" altLang="en-US"/>
+                    </a:p>
+                  </a:txBody>
+                  <a:tcPr/>
+                </a:tc>
+                <a:tc>
+                  <a:txBody>
+                    <a:bodyPr/>
+                    <a:lstStyle/>
+                    <a:p>
+                      <a:pPr latinLnBrk="1"/>
+                      <a:endParaRPr lang="ko-KR" altLang="en-US"/>
+                    </a:p>
+                  </a:txBody>
+                  <a:tcPr/>
+                </a:tc>
+                <a:tc>
+                  <a:txBody>
+                    <a:bodyPr/>
+                    <a:lstStyle/>
+                    <a:p>
+                      <a:pPr latinLnBrk="1"/>
+                      <a:endParaRPr lang="ko-KR" altLang="en-US"/>
+                    </a:p>
+                  </a:txBody>
+                  <a:tcPr/>
+                </a:tc>
+                <a:tc>
+                  <a:txBody>
+                    <a:bodyPr/>
+                    <a:lstStyle/>
+                    <a:p>
+                      <a:pPr latinLnBrk="1"/>
+                      <a:endParaRPr lang="ko-KR" altLang="en-US"/>
+                    </a:p>
+                  </a:txBody>
+                  <a:tcPr/>
+                </a:tc>
+                <a:tc>
+                  <a:txBody>
+                    <a:bodyPr/>
+                    <a:lstStyle/>
+                    <a:p>
+                      <a:pPr latinLnBrk="1"/>
+                      <a:endParaRPr lang="ko-KR" altLang="en-US"/>
+                    </a:p>
+                  </a:txBody>
+                  <a:tcPr/>
+                </a:tc>
+                <a:tc>
+                  <a:txBody>
+                    <a:bodyPr/>
+                    <a:lstStyle/>
+                    <a:p>
+                      <a:pPr latinLnBrk="1"/>
+                      <a:endParaRPr lang="ko-KR" altLang="en-US"/>
+                    </a:p>
+                  </a:txBody>
+                  <a:tcPr/>
+                </a:tc>
+                <a:tc>
+                  <a:txBody>
+                    <a:bodyPr/>
+                    <a:lstStyle/>
+                    <a:p>
+                      <a:pPr latinLnBrk="1"/>
+                      <a:endParaRPr lang="ko-KR" altLang="en-US"/>
+                    </a:p>
+                  </a:txBody>
+                  <a:tcPr/>
+                </a:tc>
+                <a:tc>
+                  <a:txBody>
+                    <a:bodyPr/>
+                    <a:lstStyle/>
+                    <a:p>
+                      <a:pPr latinLnBrk="1"/>
+                      <a:endParaRPr lang="ko-KR" altLang="en-US"/>
+                    </a:p>
+                  </a:txBody>
+                  <a:tcPr/>
+                </a:tc>
+                <a:tc>
+                  <a:txBody>
+                    <a:bodyPr/>
+                    <a:lstStyle/>
+                    <a:p>
+                      <a:pPr latinLnBrk="1"/>
+                      <a:endParaRPr lang="ko-KR" altLang="en-US"/>
+                    </a:p>
+                  </a:txBody>
+                  <a:tcPr/>
+                </a:tc>
+                <a:tc>
+                  <a:txBody>
+                    <a:bodyPr/>
+                    <a:lstStyle/>
+                    <a:p>
+                      <a:pPr latinLnBrk="1"/>
+                      <a:endParaRPr lang="ko-KR" altLang="en-US"/>
+                    </a:p>
+                  </a:txBody>
+                  <a:tcPr/>
+                </a:tc>
+                <a:tc>
+                  <a:txBody>
+                    <a:bodyPr/>
+                    <a:lstStyle/>
+                    <a:p>
+                      <a:pPr latinLnBrk="1"/>
+                      <a:endParaRPr lang="ko-KR" altLang="en-US"/>
+                    </a:p>
+                  </a:txBody>
+                  <a:tcPr/>
+                </a:tc>
+                <a:tc>
+                  <a:txBody>
+                    <a:bodyPr/>
+                    <a:lstStyle/>
+                    <a:p>
+                      <a:pPr latinLnBrk="1"/>
+                      <a:endParaRPr lang="ko-KR" altLang="en-US"/>
+                    </a:p>
+                  </a:txBody>
+                  <a:tcPr/>
+                </a:tc>
+                <a:tc>
+                  <a:txBody>
+                    <a:bodyPr/>
+                    <a:lstStyle/>
+                    <a:p>
+                      <a:pPr latinLnBrk="1"/>
                       <a:endParaRPr lang="ko-KR" altLang="en-US" dirty="0"/>
                     </a:p>
                   </a:txBody>
                   <a:tcPr/>
                 </a:tc>
+                <a:tc>
+                  <a:txBody>
+                    <a:bodyPr/>
+                    <a:lstStyle/>
+                    <a:p>
+                      <a:pPr latinLnBrk="1"/>
+                      <a:endParaRPr lang="ko-KR" altLang="en-US"/>
+                    </a:p>
+                  </a:txBody>
+                  <a:tcPr/>
+                </a:tc>
+                <a:tc>
+                  <a:txBody>
+                    <a:bodyPr/>
+                    <a:lstStyle/>
+                    <a:p>
+                      <a:pPr latinLnBrk="1"/>
+                      <a:endParaRPr lang="ko-KR" altLang="en-US" dirty="0"/>
+                    </a:p>
+                  </a:txBody>
+                  <a:tcPr/>
+                </a:tc>
+                <a:tc>
+                  <a:txBody>
+                    <a:bodyPr/>
+                    <a:lstStyle/>
+                    <a:p>
+                      <a:pPr latinLnBrk="1"/>
+                      <a:endParaRPr lang="ko-KR" altLang="en-US" dirty="0"/>
+                    </a:p>
+                  </a:txBody>
+                  <a:tcPr/>
+                </a:tc>
+                <a:tc>
+                  <a:txBody>
+                    <a:bodyPr/>
+                    <a:lstStyle/>
+                    <a:p>
+                      <a:pPr latinLnBrk="1"/>
+                      <a:endParaRPr lang="ko-KR" altLang="en-US" dirty="0"/>
+                    </a:p>
+                  </a:txBody>
+                  <a:tcPr/>
+                </a:tc>
+                <a:tc>
+                  <a:txBody>
+                    <a:bodyPr/>
+                    <a:lstStyle/>
+                    <a:p>
+                      <a:pPr latinLnBrk="1"/>
+                      <a:endParaRPr lang="ko-KR" altLang="en-US" dirty="0"/>
+                    </a:p>
+                  </a:txBody>
+                  <a:tcPr/>
+                </a:tc>
+                <a:tc>
+                  <a:txBody>
+                    <a:bodyPr/>
+                    <a:lstStyle/>
+                    <a:p>
+                      <a:pPr latinLnBrk="1"/>
+                      <a:endParaRPr lang="ko-KR" altLang="en-US" dirty="0"/>
+                    </a:p>
+                  </a:txBody>
+                  <a:tcPr/>
+                </a:tc>
+                <a:tc>
+                  <a:txBody>
+                    <a:bodyPr/>
+                    <a:lstStyle/>
+                    <a:p>
+                      <a:pPr latinLnBrk="1"/>
+                      <a:endParaRPr lang="ko-KR" altLang="en-US" dirty="0"/>
+                    </a:p>
+                  </a:txBody>
+                  <a:tcPr/>
+                </a:tc>
+              </a:tr>
+              <a:tr h="348075">
+                <a:tc>
+                  <a:txBody>
+                    <a:bodyPr/>
+                    <a:lstStyle/>
+                    <a:p>
+                      <a:pPr latinLnBrk="1"/>
+                      <a:endParaRPr lang="ko-KR" altLang="en-US"/>
+                    </a:p>
+                  </a:txBody>
+                  <a:tcPr/>
+                </a:tc>
+                <a:tc>
+                  <a:txBody>
+                    <a:bodyPr/>
+                    <a:lstStyle/>
+                    <a:p>
+                      <a:pPr latinLnBrk="1"/>
+                      <a:endParaRPr lang="ko-KR" altLang="en-US"/>
+                    </a:p>
+                  </a:txBody>
+                  <a:tcPr/>
+                </a:tc>
+                <a:tc>
+                  <a:txBody>
+                    <a:bodyPr/>
+                    <a:lstStyle/>
+                    <a:p>
+                      <a:pPr latinLnBrk="1"/>
+                      <a:endParaRPr lang="ko-KR" altLang="en-US"/>
+                    </a:p>
+                  </a:txBody>
+                  <a:tcPr/>
+                </a:tc>
+                <a:tc>
+                  <a:txBody>
+                    <a:bodyPr/>
+                    <a:lstStyle/>
+                    <a:p>
+                      <a:pPr latinLnBrk="1"/>
+                      <a:endParaRPr lang="ko-KR" altLang="en-US"/>
+                    </a:p>
+                  </a:txBody>
+                  <a:tcPr/>
+                </a:tc>
+                <a:tc>
+                  <a:txBody>
+                    <a:bodyPr/>
+                    <a:lstStyle/>
+                    <a:p>
+                      <a:pPr latinLnBrk="1"/>
+                      <a:endParaRPr lang="ko-KR" altLang="en-US"/>
+                    </a:p>
+                  </a:txBody>
+                  <a:tcPr/>
+                </a:tc>
+                <a:tc>
+                  <a:txBody>
+                    <a:bodyPr/>
+                    <a:lstStyle/>
+                    <a:p>
+                      <a:pPr latinLnBrk="1"/>
+                      <a:endParaRPr lang="ko-KR" altLang="en-US"/>
+                    </a:p>
+                  </a:txBody>
+                  <a:tcPr/>
+                </a:tc>
+                <a:tc>
+                  <a:txBody>
+                    <a:bodyPr/>
+                    <a:lstStyle/>
+                    <a:p>
+                      <a:pPr latinLnBrk="1"/>
+                      <a:endParaRPr lang="ko-KR" altLang="en-US"/>
+                    </a:p>
+                  </a:txBody>
+                  <a:tcPr/>
+                </a:tc>
+                <a:tc>
+                  <a:txBody>
+                    <a:bodyPr/>
+                    <a:lstStyle/>
+                    <a:p>
+                      <a:pPr latinLnBrk="1"/>
+                      <a:endParaRPr lang="ko-KR" altLang="en-US"/>
+                    </a:p>
+                  </a:txBody>
+                  <a:tcPr/>
+                </a:tc>
+                <a:tc>
+                  <a:txBody>
+                    <a:bodyPr/>
+                    <a:lstStyle/>
+                    <a:p>
+                      <a:pPr latinLnBrk="1"/>
+                      <a:endParaRPr lang="ko-KR" altLang="en-US" dirty="0"/>
+                    </a:p>
+                  </a:txBody>
+                  <a:tcPr/>
+                </a:tc>
+                <a:tc>
+                  <a:txBody>
+                    <a:bodyPr/>
+                    <a:lstStyle/>
+                    <a:p>
+                      <a:pPr latinLnBrk="1"/>
+                      <a:endParaRPr lang="ko-KR" altLang="en-US"/>
+                    </a:p>
+                  </a:txBody>
+                  <a:tcPr/>
+                </a:tc>
+                <a:tc>
+                  <a:txBody>
+                    <a:bodyPr/>
+                    <a:lstStyle/>
+                    <a:p>
+                      <a:pPr latinLnBrk="1"/>
+                      <a:endParaRPr lang="ko-KR" altLang="en-US" dirty="0"/>
+                    </a:p>
+                  </a:txBody>
+                  <a:tcPr/>
+                </a:tc>
+                <a:tc>
+                  <a:txBody>
+                    <a:bodyPr/>
+                    <a:lstStyle/>
+                    <a:p>
+                      <a:pPr latinLnBrk="1"/>
+                      <a:endParaRPr lang="ko-KR" altLang="en-US"/>
+                    </a:p>
+                  </a:txBody>
+                  <a:tcPr/>
+                </a:tc>
+                <a:tc>
+                  <a:txBody>
+                    <a:bodyPr/>
+                    <a:lstStyle/>
+                    <a:p>
+                      <a:pPr latinLnBrk="1"/>
+                      <a:endParaRPr lang="ko-KR" altLang="en-US"/>
+                    </a:p>
+                  </a:txBody>
+                  <a:tcPr/>
+                </a:tc>
+                <a:tc>
+                  <a:txBody>
+                    <a:bodyPr/>
+                    <a:lstStyle/>
+                    <a:p>
+                      <a:pPr latinLnBrk="1"/>
+                      <a:endParaRPr lang="ko-KR" altLang="en-US"/>
+                    </a:p>
+                  </a:txBody>
+                  <a:tcPr/>
+                </a:tc>
+                <a:tc>
+                  <a:txBody>
+                    <a:bodyPr/>
+                    <a:lstStyle/>
+                    <a:p>
+                      <a:pPr latinLnBrk="1"/>
+                      <a:endParaRPr lang="ko-KR" altLang="en-US"/>
+                    </a:p>
+                  </a:txBody>
+                  <a:tcPr/>
+                </a:tc>
+                <a:tc>
+                  <a:txBody>
+                    <a:bodyPr/>
+                    <a:lstStyle/>
+                    <a:p>
+                      <a:pPr latinLnBrk="1"/>
+                      <a:endParaRPr lang="ko-KR" altLang="en-US"/>
+                    </a:p>
+                  </a:txBody>
+                  <a:tcPr/>
+                </a:tc>
+                <a:tc>
+                  <a:txBody>
+                    <a:bodyPr/>
+                    <a:lstStyle/>
+                    <a:p>
+                      <a:pPr latinLnBrk="1"/>
+                      <a:endParaRPr lang="ko-KR" altLang="en-US"/>
+                    </a:p>
+                  </a:txBody>
+                  <a:tcPr/>
+                </a:tc>
+                <a:tc>
+                  <a:txBody>
+                    <a:bodyPr/>
+                    <a:lstStyle/>
+                    <a:p>
+                      <a:pPr latinLnBrk="1"/>
+                      <a:endParaRPr lang="ko-KR" altLang="en-US" dirty="0"/>
+                    </a:p>
+                  </a:txBody>
+                  <a:tcPr/>
+                </a:tc>
+                <a:tc>
+                  <a:txBody>
+                    <a:bodyPr/>
+                    <a:lstStyle/>
+                    <a:p>
+                      <a:pPr latinLnBrk="1"/>
+                      <a:endParaRPr lang="ko-KR" altLang="en-US"/>
+                    </a:p>
+                  </a:txBody>
+                  <a:tcPr/>
+                </a:tc>
+                <a:tc>
+                  <a:txBody>
+                    <a:bodyPr/>
+                    <a:lstStyle/>
+                    <a:p>
+                      <a:pPr latinLnBrk="1"/>
+                      <a:endParaRPr lang="ko-KR" altLang="en-US"/>
+                    </a:p>
+                  </a:txBody>
+                  <a:tcPr/>
+                </a:tc>
+                <a:tc>
+                  <a:txBody>
+                    <a:bodyPr/>
+                    <a:lstStyle/>
+                    <a:p>
+                      <a:pPr latinLnBrk="1"/>
+                      <a:endParaRPr lang="ko-KR" altLang="en-US"/>
+                    </a:p>
+                  </a:txBody>
+                  <a:tcPr/>
+                </a:tc>
+                <a:tc>
+                  <a:txBody>
+                    <a:bodyPr/>
+                    <a:lstStyle/>
+                    <a:p>
+                      <a:pPr latinLnBrk="1"/>
+                      <a:endParaRPr lang="ko-KR" altLang="en-US"/>
+                    </a:p>
+                  </a:txBody>
+                  <a:tcPr/>
+                </a:tc>
+                <a:tc>
+                  <a:txBody>
+                    <a:bodyPr/>
+                    <a:lstStyle/>
+                    <a:p>
+                      <a:pPr latinLnBrk="1"/>
+                      <a:endParaRPr lang="ko-KR" altLang="en-US"/>
+                    </a:p>
+                  </a:txBody>
+                  <a:tcPr/>
+                </a:tc>
+                <a:tc>
+                  <a:txBody>
+                    <a:bodyPr/>
+                    <a:lstStyle/>
+                    <a:p>
+                      <a:pPr latinLnBrk="1"/>
+                      <a:endParaRPr lang="ko-KR" altLang="en-US"/>
+                    </a:p>
+                  </a:txBody>
+                  <a:tcPr/>
+                </a:tc>
+                <a:tc>
+                  <a:txBody>
+                    <a:bodyPr/>
+                    <a:lstStyle/>
+                    <a:p>
+                      <a:pPr latinLnBrk="1"/>
+                      <a:endParaRPr lang="ko-KR" altLang="en-US"/>
+                    </a:p>
+                  </a:txBody>
+                  <a:tcPr/>
+                </a:tc>
+                <a:tc>
+                  <a:txBody>
+                    <a:bodyPr/>
+                    <a:lstStyle/>
+                    <a:p>
+                      <a:pPr latinLnBrk="1"/>
+                      <a:endParaRPr lang="ko-KR" altLang="en-US"/>
+                    </a:p>
+                  </a:txBody>
+                  <a:tcPr/>
+                </a:tc>
+                <a:tc>
+                  <a:txBody>
+                    <a:bodyPr/>
+                    <a:lstStyle/>
+                    <a:p>
+                      <a:pPr latinLnBrk="1"/>
+                      <a:endParaRPr lang="ko-KR" altLang="en-US"/>
+                    </a:p>
+                  </a:txBody>
+                  <a:tcPr/>
+                </a:tc>
+                <a:tc>
+                  <a:txBody>
+                    <a:bodyPr/>
+                    <a:lstStyle/>
+                    <a:p>
+                      <a:pPr latinLnBrk="1"/>
+                      <a:endParaRPr lang="ko-KR" altLang="en-US"/>
+                    </a:p>
+                  </a:txBody>
+                  <a:tcPr/>
+                </a:tc>
+                <a:tc>
+                  <a:txBody>
+                    <a:bodyPr/>
+                    <a:lstStyle/>
+                    <a:p>
+                      <a:pPr latinLnBrk="1"/>
+                      <a:endParaRPr lang="ko-KR" altLang="en-US"/>
+                    </a:p>
+                  </a:txBody>
+                  <a:tcPr/>
+                </a:tc>
+                <a:tc>
+                  <a:txBody>
+                    <a:bodyPr/>
+                    <a:lstStyle/>
+                    <a:p>
+                      <a:pPr latinLnBrk="1"/>
+                      <a:endParaRPr lang="ko-KR" altLang="en-US"/>
+                    </a:p>
+                  </a:txBody>
+                  <a:tcPr/>
+                </a:tc>
+                <a:tc>
+                  <a:txBody>
+                    <a:bodyPr/>
+                    <a:lstStyle/>
+                    <a:p>
+                      <a:pPr latinLnBrk="1"/>
+                      <a:endParaRPr lang="ko-KR" altLang="en-US"/>
+                    </a:p>
+                  </a:txBody>
+                  <a:tcPr/>
+                </a:tc>
+                <a:tc>
+                  <a:txBody>
+                    <a:bodyPr/>
+                    <a:lstStyle/>
+                    <a:p>
+                      <a:pPr latinLnBrk="1"/>
+                      <a:endParaRPr lang="ko-KR" altLang="en-US"/>
+                    </a:p>
+                  </a:txBody>
+                  <a:tcPr/>
+                </a:tc>
+                <a:tc>
+                  <a:txBody>
+                    <a:bodyPr/>
+                    <a:lstStyle/>
+                    <a:p>
+                      <a:pPr latinLnBrk="1"/>
+                      <a:endParaRPr lang="ko-KR" altLang="en-US"/>
+                    </a:p>
+                  </a:txBody>
+                  <a:tcPr/>
+                </a:tc>
+                <a:tc>
+                  <a:txBody>
+                    <a:bodyPr/>
+                    <a:lstStyle/>
+                    <a:p>
+                      <a:pPr latinLnBrk="1"/>
+                      <a:endParaRPr lang="ko-KR" altLang="en-US"/>
+                    </a:p>
+                  </a:txBody>
+                  <a:tcPr/>
+                </a:tc>
+                <a:tc>
+                  <a:txBody>
+                    <a:bodyPr/>
+                    <a:lstStyle/>
+                    <a:p>
+                      <a:pPr latinLnBrk="1"/>
+                      <a:endParaRPr lang="ko-KR" altLang="en-US"/>
+                    </a:p>
+                  </a:txBody>
+                  <a:tcPr/>
+                </a:tc>
+                <a:tc>
+                  <a:txBody>
+                    <a:bodyPr/>
+                    <a:lstStyle/>
+                    <a:p>
+                      <a:pPr latinLnBrk="1"/>
+                      <a:endParaRPr lang="ko-KR" altLang="en-US"/>
+                    </a:p>
+                  </a:txBody>
+                  <a:tcPr/>
+                </a:tc>
+                <a:tc>
+                  <a:txBody>
+                    <a:bodyPr/>
+                    <a:lstStyle/>
+                    <a:p>
+                      <a:pPr latinLnBrk="1"/>
+                      <a:endParaRPr lang="ko-KR" altLang="en-US"/>
+                    </a:p>
+                  </a:txBody>
+                  <a:tcPr/>
+                </a:tc>
+                <a:tc>
+                  <a:txBody>
+                    <a:bodyPr/>
+                    <a:lstStyle/>
+                    <a:p>
+                      <a:pPr latinLnBrk="1"/>
+                      <a:endParaRPr lang="ko-KR" altLang="en-US"/>
+                    </a:p>
+                  </a:txBody>
+                  <a:tcPr/>
+                </a:tc>
+                <a:tc>
+                  <a:txBody>
+                    <a:bodyPr/>
+                    <a:lstStyle/>
+                    <a:p>
+                      <a:pPr latinLnBrk="1"/>
+                      <a:endParaRPr lang="ko-KR" altLang="en-US"/>
+                    </a:p>
+                  </a:txBody>
+                  <a:tcPr/>
+                </a:tc>
+                <a:tc>
+                  <a:txBody>
+                    <a:bodyPr/>
+                    <a:lstStyle/>
+                    <a:p>
+                      <a:pPr latinLnBrk="1"/>
+                      <a:endParaRPr lang="ko-KR" altLang="en-US" dirty="0"/>
+                    </a:p>
+                  </a:txBody>
+                  <a:tcPr/>
+                </a:tc>
+                <a:tc>
+                  <a:txBody>
+                    <a:bodyPr/>
+                    <a:lstStyle/>
+                    <a:p>
+                      <a:pPr latinLnBrk="1"/>
+                      <a:endParaRPr lang="ko-KR" altLang="en-US"/>
+                    </a:p>
+                  </a:txBody>
+                  <a:tcPr/>
+                </a:tc>
+                <a:tc>
+                  <a:txBody>
+                    <a:bodyPr/>
+                    <a:lstStyle/>
+                    <a:p>
+                      <a:pPr latinLnBrk="1"/>
+                      <a:endParaRPr lang="ko-KR" altLang="en-US" dirty="0"/>
+                    </a:p>
+                  </a:txBody>
+                  <a:tcPr/>
+                </a:tc>
                 <a:tc gridSpan="5">
                   <a:txBody>
                     <a:bodyPr/>
@@ -18795,7 +19647,7 @@
                     <a:lstStyle/>
                     <a:p>
                       <a:pPr latinLnBrk="1"/>
-                      <a:endParaRPr lang="ko-KR" altLang="en-US" dirty="0"/>
+                      <a:endParaRPr lang="ko-KR" altLang="en-US"/>
                     </a:p>
                   </a:txBody>
                   <a:tcPr/>
@@ -18806,7 +19658,7 @@
                     <a:lstStyle/>
                     <a:p>
                       <a:pPr latinLnBrk="1"/>
-                      <a:endParaRPr lang="ko-KR" altLang="en-US" dirty="0"/>
+                      <a:endParaRPr lang="ko-KR" altLang="en-US"/>
                     </a:p>
                   </a:txBody>
                   <a:tcPr/>
@@ -18817,7 +19669,7 @@
                     <a:lstStyle/>
                     <a:p>
                       <a:pPr latinLnBrk="1"/>
-                      <a:endParaRPr lang="ko-KR" altLang="en-US" dirty="0"/>
+                      <a:endParaRPr lang="ko-KR" altLang="en-US"/>
                     </a:p>
                   </a:txBody>
                   <a:tcPr/>
@@ -18828,7 +19680,7 @@
                     <a:lstStyle/>
                     <a:p>
                       <a:pPr latinLnBrk="1"/>
-                      <a:endParaRPr lang="ko-KR" altLang="en-US" dirty="0"/>
+                      <a:endParaRPr lang="ko-KR" altLang="en-US"/>
                     </a:p>
                   </a:txBody>
                   <a:tcPr/>
@@ -18846,7 +19698,7 @@
         </p:nvSpPr>
         <p:spPr>
           <a:xfrm>
-            <a:off x="-396000" y="1134000"/>
+            <a:off x="-396000" y="1010175"/>
             <a:ext cx="414000" cy="162000"/>
           </a:xfrm>
           <a:prstGeom prst="rect">
@@ -18886,7 +19738,7 @@
         </p:nvSpPr>
         <p:spPr>
           <a:xfrm>
-            <a:off x="18000" y="1508580"/>
+            <a:off x="18000" y="1375230"/>
             <a:ext cx="2501472" cy="162000"/>
           </a:xfrm>
           <a:prstGeom prst="rect">
@@ -18926,7 +19778,7 @@
         </p:nvSpPr>
         <p:spPr>
           <a:xfrm>
-            <a:off x="2509948" y="1872000"/>
+            <a:off x="2509948" y="1738650"/>
             <a:ext cx="2300177" cy="166349"/>
           </a:xfrm>
           <a:prstGeom prst="rect">
@@ -18966,48 +19818,8 @@
         </p:nvSpPr>
         <p:spPr>
           <a:xfrm>
-            <a:off x="8558475" y="5893200"/>
+            <a:off x="8565525" y="6131325"/>
             <a:ext cx="207000" cy="162000"/>
-          </a:xfrm>
-          <a:prstGeom prst="rect">
-            <a:avLst/>
-          </a:prstGeom>
-        </p:spPr>
-        <p:style>
-          <a:lnRef idx="2">
-            <a:schemeClr val="accent1">
-              <a:shade val="50000"/>
-            </a:schemeClr>
-          </a:lnRef>
-          <a:fillRef idx="1">
-            <a:schemeClr val="accent1"/>
-          </a:fillRef>
-          <a:effectRef idx="0">
-            <a:schemeClr val="accent1"/>
-          </a:effectRef>
-          <a:fontRef idx="minor">
-            <a:schemeClr val="lt1"/>
-          </a:fontRef>
-        </p:style>
-        <p:txBody>
-          <a:bodyPr rtlCol="0" anchor="ctr"/>
-          <a:lstStyle/>
-          <a:p>
-            <a:pPr algn="ctr"/>
-            <a:endParaRPr lang="ko-KR" altLang="en-US"/>
-          </a:p>
-        </p:txBody>
-      </p:sp>
-      <p:sp>
-        <p:nvSpPr>
-          <p:cNvPr id="18" name="직사각형 17"/>
-          <p:cNvSpPr/>
-          <p:nvPr/>
-        </p:nvSpPr>
-        <p:spPr>
-          <a:xfrm>
-            <a:off x="7317000" y="5525999"/>
-            <a:ext cx="1040191" cy="162420"/>
           </a:xfrm>
           <a:prstGeom prst="rect">
             <a:avLst/>
@@ -19046,7 +19858,7 @@
         </p:nvSpPr>
         <p:spPr>
           <a:xfrm>
-            <a:off x="8353008" y="6273822"/>
+            <a:off x="8353008" y="6492897"/>
             <a:ext cx="1040191" cy="162420"/>
           </a:xfrm>
           <a:prstGeom prst="rect">
@@ -19086,7 +19898,7 @@
         </p:nvSpPr>
         <p:spPr>
           <a:xfrm>
-            <a:off x="2519472" y="2233949"/>
+            <a:off x="2519472" y="2100599"/>
             <a:ext cx="1252428" cy="175875"/>
           </a:xfrm>
           <a:prstGeom prst="rect">
@@ -19126,7 +19938,7 @@
         </p:nvSpPr>
         <p:spPr>
           <a:xfrm>
-            <a:off x="5640975" y="4067625"/>
+            <a:off x="5640975" y="3934275"/>
             <a:ext cx="414000" cy="162000"/>
           </a:xfrm>
           <a:prstGeom prst="rect">
@@ -19166,7 +19978,7 @@
         </p:nvSpPr>
         <p:spPr>
           <a:xfrm>
-            <a:off x="6060075" y="4439100"/>
+            <a:off x="6060075" y="4305750"/>
             <a:ext cx="414000" cy="162000"/>
           </a:xfrm>
           <a:prstGeom prst="rect">
@@ -19206,7 +20018,7 @@
         </p:nvSpPr>
         <p:spPr>
           <a:xfrm>
-            <a:off x="3774075" y="2619825"/>
+            <a:off x="3764550" y="2467425"/>
             <a:ext cx="414000" cy="162000"/>
           </a:xfrm>
           <a:prstGeom prst="rect">
@@ -19246,7 +20058,7 @@
         </p:nvSpPr>
         <p:spPr>
           <a:xfrm>
-            <a:off x="4183650" y="2972250"/>
+            <a:off x="4183650" y="2838900"/>
             <a:ext cx="414000" cy="162000"/>
           </a:xfrm>
           <a:prstGeom prst="rect">
@@ -19286,7 +20098,7 @@
         </p:nvSpPr>
         <p:spPr>
           <a:xfrm>
-            <a:off x="4812300" y="3343725"/>
+            <a:off x="4812300" y="3210375"/>
             <a:ext cx="414000" cy="162000"/>
           </a:xfrm>
           <a:prstGeom prst="rect">
@@ -19326,7 +20138,7 @@
         </p:nvSpPr>
         <p:spPr>
           <a:xfrm>
-            <a:off x="6479175" y="4791525"/>
+            <a:off x="6479175" y="4677225"/>
             <a:ext cx="414000" cy="162000"/>
           </a:xfrm>
           <a:prstGeom prst="rect">
@@ -19366,7 +20178,7 @@
         </p:nvSpPr>
         <p:spPr>
           <a:xfrm>
-            <a:off x="6898275" y="5172525"/>
+            <a:off x="6898275" y="5039175"/>
             <a:ext cx="414000" cy="162000"/>
           </a:xfrm>
           <a:prstGeom prst="rect">
@@ -19406,7 +20218,87 @@
         </p:nvSpPr>
         <p:spPr>
           <a:xfrm>
-            <a:off x="5231400" y="3715200"/>
+            <a:off x="5231400" y="3572325"/>
+            <a:ext cx="414000" cy="162000"/>
+          </a:xfrm>
+          <a:prstGeom prst="rect">
+            <a:avLst/>
+          </a:prstGeom>
+        </p:spPr>
+        <p:style>
+          <a:lnRef idx="2">
+            <a:schemeClr val="accent1">
+              <a:shade val="50000"/>
+            </a:schemeClr>
+          </a:lnRef>
+          <a:fillRef idx="1">
+            <a:schemeClr val="accent1"/>
+          </a:fillRef>
+          <a:effectRef idx="0">
+            <a:schemeClr val="accent1"/>
+          </a:effectRef>
+          <a:fontRef idx="minor">
+            <a:schemeClr val="lt1"/>
+          </a:fontRef>
+        </p:style>
+        <p:txBody>
+          <a:bodyPr rtlCol="0" anchor="ctr"/>
+          <a:lstStyle/>
+          <a:p>
+            <a:pPr algn="ctr"/>
+            <a:endParaRPr lang="ko-KR" altLang="en-US"/>
+          </a:p>
+        </p:txBody>
+      </p:sp>
+      <p:sp>
+        <p:nvSpPr>
+          <p:cNvPr id="29" name="직사각형 28"/>
+          <p:cNvSpPr/>
+          <p:nvPr/>
+        </p:nvSpPr>
+        <p:spPr>
+          <a:xfrm>
+            <a:off x="7307476" y="5402174"/>
+            <a:ext cx="626850" cy="160426"/>
+          </a:xfrm>
+          <a:prstGeom prst="rect">
+            <a:avLst/>
+          </a:prstGeom>
+        </p:spPr>
+        <p:style>
+          <a:lnRef idx="2">
+            <a:schemeClr val="accent1">
+              <a:shade val="50000"/>
+            </a:schemeClr>
+          </a:lnRef>
+          <a:fillRef idx="1">
+            <a:schemeClr val="accent1"/>
+          </a:fillRef>
+          <a:effectRef idx="0">
+            <a:schemeClr val="accent1"/>
+          </a:effectRef>
+          <a:fontRef idx="minor">
+            <a:schemeClr val="lt1"/>
+          </a:fontRef>
+        </p:style>
+        <p:txBody>
+          <a:bodyPr rtlCol="0" anchor="ctr"/>
+          <a:lstStyle/>
+          <a:p>
+            <a:pPr algn="ctr"/>
+            <a:endParaRPr lang="ko-KR" altLang="en-US"/>
+          </a:p>
+        </p:txBody>
+      </p:sp>
+      <p:sp>
+        <p:nvSpPr>
+          <p:cNvPr id="30" name="직사각형 29"/>
+          <p:cNvSpPr/>
+          <p:nvPr/>
+        </p:nvSpPr>
+        <p:spPr>
+          <a:xfrm>
+            <a:off x="7936500" y="5772600"/>
             <a:ext cx="414000" cy="162000"/>
           </a:xfrm>
           <a:prstGeom prst="rect">
@@ -19441,7 +20333,7 @@
     </p:spTree>
     <p:extLst>
       <p:ext uri="{BB962C8B-B14F-4D97-AF65-F5344CB8AC3E}">
-        <p14:creationId xmlns:p14="http://schemas.microsoft.com/office/powerpoint/2010/main" val="3725691386"/>
+        <p14:creationId xmlns:p14="http://schemas.microsoft.com/office/powerpoint/2010/main" val="3469710609"/>
       </p:ext>
     </p:extLst>
   </p:cSld>
@@ -27160,7 +28052,7 @@
           <p:nvPr>
             <p:extLst>
               <p:ext uri="{D42A27DB-BD31-4B8C-83A1-F6EECF244321}">
-                <p14:modId xmlns:p14="http://schemas.microsoft.com/office/powerpoint/2010/main" val="2344877589"/>
+                <p14:modId xmlns:p14="http://schemas.microsoft.com/office/powerpoint/2010/main" val="2430645332"/>
               </p:ext>
             </p:extLst>
           </p:nvPr>
@@ -27789,13 +28681,13 @@
           <p:nvPr>
             <p:extLst>
               <p:ext uri="{D42A27DB-BD31-4B8C-83A1-F6EECF244321}">
-                <p14:modId xmlns:p14="http://schemas.microsoft.com/office/powerpoint/2010/main" val="2151091130"/>
+                <p14:modId xmlns:p14="http://schemas.microsoft.com/office/powerpoint/2010/main" val="278526162"/>
               </p:ext>
             </p:extLst>
           </p:nvPr>
         </p:nvGraphicFramePr>
         <p:xfrm>
-          <a:off x="4860035" y="2685341"/>
+          <a:off x="6974585" y="2685341"/>
           <a:ext cx="1656180" cy="1167368"/>
         </p:xfrm>
         <a:graphic>
@@ -28366,13 +29258,13 @@
           <p:nvPr>
             <p:extLst>
               <p:ext uri="{D42A27DB-BD31-4B8C-83A1-F6EECF244321}">
-                <p14:modId xmlns:p14="http://schemas.microsoft.com/office/powerpoint/2010/main" val="4172815943"/>
+                <p14:modId xmlns:p14="http://schemas.microsoft.com/office/powerpoint/2010/main" val="236393202"/>
               </p:ext>
             </p:extLst>
           </p:nvPr>
         </p:nvGraphicFramePr>
         <p:xfrm>
-          <a:off x="4860033" y="4322857"/>
+          <a:off x="6974583" y="4322857"/>
           <a:ext cx="1656183" cy="1117431"/>
         </p:xfrm>
         <a:graphic>
@@ -28943,13 +29835,13 @@
           <p:nvPr>
             <p:extLst>
               <p:ext uri="{D42A27DB-BD31-4B8C-83A1-F6EECF244321}">
-                <p14:modId xmlns:p14="http://schemas.microsoft.com/office/powerpoint/2010/main" val="281440284"/>
+                <p14:modId xmlns:p14="http://schemas.microsoft.com/office/powerpoint/2010/main" val="2590535395"/>
               </p:ext>
             </p:extLst>
           </p:nvPr>
         </p:nvGraphicFramePr>
         <p:xfrm>
-          <a:off x="2708176" y="3502194"/>
+          <a:off x="4822726" y="3502194"/>
           <a:ext cx="1656183" cy="1117431"/>
         </p:xfrm>
         <a:graphic>
@@ -28976,7 +29868,7 @@
                             <a:schemeClr val="tx1"/>
                           </a:solidFill>
                         </a:rPr>
-                        <a:t>37</a:t>
+                        <a:t>40</a:t>
                       </a:r>
                       <a:endParaRPr lang="ko-KR" altLang="en-US" sz="1200" b="0" dirty="0">
                         <a:solidFill>
@@ -29039,7 +29931,7 @@
                             <a:schemeClr val="tx1"/>
                           </a:solidFill>
                         </a:rPr>
-                        <a:t>5</a:t>
+                        <a:t>2</a:t>
                       </a:r>
                       <a:endParaRPr lang="ko-KR" altLang="en-US" sz="1200" b="0" dirty="0">
                         <a:solidFill>
@@ -29366,7 +30258,7 @@
                       <a:pPr algn="ctr" latinLnBrk="1"/>
                       <a:r>
                         <a:rPr lang="en-US" altLang="ko-KR" sz="1200" dirty="0" smtClean="0"/>
-                        <a:t>37</a:t>
+                        <a:t>40</a:t>
                       </a:r>
                     </a:p>
                   </a:txBody>
@@ -29420,7 +30312,7 @@
                       <a:pPr algn="ctr" latinLnBrk="1"/>
                       <a:r>
                         <a:rPr lang="en-US" altLang="ko-KR" sz="1200" dirty="0" smtClean="0"/>
-                        <a:t>5</a:t>
+                        <a:t>2</a:t>
                       </a:r>
                       <a:endParaRPr lang="ko-KR" altLang="en-US" sz="1200" dirty="0"/>
                     </a:p>
@@ -29535,7 +30427,7 @@
         </p:nvCxnSpPr>
         <p:spPr>
           <a:xfrm>
-            <a:off x="2270845" y="4059294"/>
+            <a:off x="4385395" y="4059294"/>
             <a:ext cx="432049" cy="0"/>
           </a:xfrm>
           <a:prstGeom prst="line">
@@ -29572,7 +30464,7 @@
         </p:nvCxnSpPr>
         <p:spPr>
           <a:xfrm flipV="1">
-            <a:off x="4375025" y="4057650"/>
+            <a:off x="6489575" y="4057650"/>
             <a:ext cx="225550" cy="213"/>
           </a:xfrm>
           <a:prstGeom prst="line">
@@ -29607,7 +30499,7 @@
         </p:nvCxnSpPr>
         <p:spPr>
           <a:xfrm>
-            <a:off x="4600575" y="3257550"/>
+            <a:off x="6715125" y="3257550"/>
             <a:ext cx="0" cy="1609725"/>
           </a:xfrm>
           <a:prstGeom prst="line">
@@ -29642,7 +30534,7 @@
         </p:nvCxnSpPr>
         <p:spPr>
           <a:xfrm>
-            <a:off x="4600575" y="4867275"/>
+            <a:off x="6715125" y="4867275"/>
             <a:ext cx="227807" cy="213"/>
           </a:xfrm>
           <a:prstGeom prst="line">
@@ -29679,7 +30571,7 @@
         </p:nvCxnSpPr>
         <p:spPr>
           <a:xfrm>
-            <a:off x="4600575" y="3248025"/>
+            <a:off x="6715125" y="3248025"/>
             <a:ext cx="252711" cy="6485"/>
           </a:xfrm>
           <a:prstGeom prst="line">
@@ -29778,10 +30670,624 @@
           </a:fontRef>
         </p:style>
       </p:cxnSp>
+      <p:graphicFrame>
+        <p:nvGraphicFramePr>
+          <p:cNvPr id="13" name="표 12"/>
+          <p:cNvGraphicFramePr>
+            <a:graphicFrameLocks noGrp="1"/>
+          </p:cNvGraphicFramePr>
+          <p:nvPr>
+            <p:extLst>
+              <p:ext uri="{D42A27DB-BD31-4B8C-83A1-F6EECF244321}">
+                <p14:modId xmlns:p14="http://schemas.microsoft.com/office/powerpoint/2010/main" val="695918866"/>
+              </p:ext>
+            </p:extLst>
+          </p:nvPr>
+        </p:nvGraphicFramePr>
+        <p:xfrm>
+          <a:off x="2717701" y="3511719"/>
+          <a:ext cx="1656183" cy="1117431"/>
+        </p:xfrm>
+        <a:graphic>
+          <a:graphicData uri="http://schemas.openxmlformats.org/drawingml/2006/table">
+            <a:tbl>
+              <a:tblPr firstRow="1" bandRow="1">
+                <a:tableStyleId>{5C22544A-7EE6-4342-B048-85BDC9FD1C3A}</a:tableStyleId>
+              </a:tblPr>
+              <a:tblGrid>
+                <a:gridCol w="576064"/>
+                <a:gridCol w="528058"/>
+                <a:gridCol w="552061"/>
+              </a:tblGrid>
+              <a:tr h="360040">
+                <a:tc>
+                  <a:txBody>
+                    <a:bodyPr/>
+                    <a:lstStyle/>
+                    <a:p>
+                      <a:pPr algn="ctr" latinLnBrk="1"/>
+                      <a:r>
+                        <a:rPr lang="en-US" altLang="ko-KR" sz="1200" b="0" dirty="0" smtClean="0">
+                          <a:solidFill>
+                            <a:schemeClr val="tx1"/>
+                          </a:solidFill>
+                        </a:rPr>
+                        <a:t>37</a:t>
+                      </a:r>
+                      <a:endParaRPr lang="ko-KR" altLang="en-US" sz="1200" b="0" dirty="0">
+                        <a:solidFill>
+                          <a:schemeClr val="tx1"/>
+                        </a:solidFill>
+                      </a:endParaRPr>
+                    </a:p>
+                  </a:txBody>
+                  <a:tcPr>
+                    <a:lnL w="12700" cap="flat" cmpd="sng" algn="ctr">
+                      <a:solidFill>
+                        <a:schemeClr val="tx1"/>
+                      </a:solidFill>
+                      <a:prstDash val="solid"/>
+                      <a:round/>
+                      <a:headEnd type="none" w="med" len="med"/>
+                      <a:tailEnd type="none" w="med" len="med"/>
+                    </a:lnL>
+                    <a:lnR w="12700" cap="flat" cmpd="sng" algn="ctr">
+                      <a:solidFill>
+                        <a:schemeClr val="tx1"/>
+                      </a:solidFill>
+                      <a:prstDash val="solid"/>
+                      <a:round/>
+                      <a:headEnd type="none" w="med" len="med"/>
+                      <a:tailEnd type="none" w="med" len="med"/>
+                    </a:lnR>
+                    <a:lnT w="12700" cap="flat" cmpd="sng" algn="ctr">
+                      <a:solidFill>
+                        <a:schemeClr val="tx1"/>
+                      </a:solidFill>
+                      <a:prstDash val="solid"/>
+                      <a:round/>
+                      <a:headEnd type="none" w="med" len="med"/>
+                      <a:tailEnd type="none" w="med" len="med"/>
+                    </a:lnT>
+                    <a:lnB w="12700" cap="flat" cmpd="sng" algn="ctr">
+                      <a:solidFill>
+                        <a:schemeClr val="tx1"/>
+                      </a:solidFill>
+                      <a:prstDash val="solid"/>
+                      <a:round/>
+                      <a:headEnd type="none" w="med" len="med"/>
+                      <a:tailEnd type="none" w="med" len="med"/>
+                    </a:lnB>
+                    <a:solidFill>
+                      <a:schemeClr val="bg1"/>
+                    </a:solidFill>
+                  </a:tcPr>
+                </a:tc>
+                <a:tc>
+                  <a:txBody>
+                    <a:bodyPr/>
+                    <a:lstStyle/>
+                    <a:p>
+                      <a:pPr algn="ctr" latinLnBrk="1"/>
+                      <a:r>
+                        <a:rPr lang="en-US" altLang="ko-KR" sz="1200" b="0" dirty="0" smtClean="0">
+                          <a:solidFill>
+                            <a:schemeClr val="tx1"/>
+                          </a:solidFill>
+                        </a:rPr>
+                        <a:t>3</a:t>
+                      </a:r>
+                      <a:endParaRPr lang="ko-KR" altLang="en-US" sz="1200" b="0" dirty="0">
+                        <a:solidFill>
+                          <a:schemeClr val="tx1"/>
+                        </a:solidFill>
+                      </a:endParaRPr>
+                    </a:p>
+                  </a:txBody>
+                  <a:tcPr>
+                    <a:lnL w="12700" cap="flat" cmpd="sng" algn="ctr">
+                      <a:solidFill>
+                        <a:schemeClr val="tx1"/>
+                      </a:solidFill>
+                      <a:prstDash val="solid"/>
+                      <a:round/>
+                      <a:headEnd type="none" w="med" len="med"/>
+                      <a:tailEnd type="none" w="med" len="med"/>
+                    </a:lnL>
+                    <a:lnR w="12700" cap="flat" cmpd="sng" algn="ctr">
+                      <a:solidFill>
+                        <a:schemeClr val="tx1"/>
+                      </a:solidFill>
+                      <a:prstDash val="solid"/>
+                      <a:round/>
+                      <a:headEnd type="none" w="med" len="med"/>
+                      <a:tailEnd type="none" w="med" len="med"/>
+                    </a:lnR>
+                    <a:lnT w="12700" cap="flat" cmpd="sng" algn="ctr">
+                      <a:solidFill>
+                        <a:schemeClr val="tx1"/>
+                      </a:solidFill>
+                      <a:prstDash val="solid"/>
+                      <a:round/>
+                      <a:headEnd type="none" w="med" len="med"/>
+                      <a:tailEnd type="none" w="med" len="med"/>
+                    </a:lnT>
+                    <a:lnB w="12700" cap="flat" cmpd="sng" algn="ctr">
+                      <a:solidFill>
+                        <a:schemeClr val="tx1"/>
+                      </a:solidFill>
+                      <a:prstDash val="solid"/>
+                      <a:round/>
+                      <a:headEnd type="none" w="med" len="med"/>
+                      <a:tailEnd type="none" w="med" len="med"/>
+                    </a:lnB>
+                    <a:solidFill>
+                      <a:schemeClr val="bg1"/>
+                    </a:solidFill>
+                  </a:tcPr>
+                </a:tc>
+                <a:tc>
+                  <a:txBody>
+                    <a:bodyPr/>
+                    <a:lstStyle/>
+                    <a:p>
+                      <a:pPr algn="ctr" latinLnBrk="1"/>
+                      <a:r>
+                        <a:rPr lang="en-US" altLang="ko-KR" sz="1200" b="0" dirty="0" smtClean="0">
+                          <a:solidFill>
+                            <a:schemeClr val="tx1"/>
+                          </a:solidFill>
+                        </a:rPr>
+                        <a:t>40</a:t>
+                      </a:r>
+                      <a:endParaRPr lang="ko-KR" altLang="en-US" sz="1200" b="0" dirty="0">
+                        <a:solidFill>
+                          <a:schemeClr val="tx1"/>
+                        </a:solidFill>
+                      </a:endParaRPr>
+                    </a:p>
+                  </a:txBody>
+                  <a:tcPr>
+                    <a:lnL w="12700" cap="flat" cmpd="sng" algn="ctr">
+                      <a:solidFill>
+                        <a:schemeClr val="tx1"/>
+                      </a:solidFill>
+                      <a:prstDash val="solid"/>
+                      <a:round/>
+                      <a:headEnd type="none" w="med" len="med"/>
+                      <a:tailEnd type="none" w="med" len="med"/>
+                    </a:lnL>
+                    <a:lnR w="12700" cap="flat" cmpd="sng" algn="ctr">
+                      <a:solidFill>
+                        <a:schemeClr val="tx1"/>
+                      </a:solidFill>
+                      <a:prstDash val="solid"/>
+                      <a:round/>
+                      <a:headEnd type="none" w="med" len="med"/>
+                      <a:tailEnd type="none" w="med" len="med"/>
+                    </a:lnR>
+                    <a:lnT w="12700" cap="flat" cmpd="sng" algn="ctr">
+                      <a:solidFill>
+                        <a:schemeClr val="tx1"/>
+                      </a:solidFill>
+                      <a:prstDash val="solid"/>
+                      <a:round/>
+                      <a:headEnd type="none" w="med" len="med"/>
+                      <a:tailEnd type="none" w="med" len="med"/>
+                    </a:lnT>
+                    <a:lnB w="12700" cap="flat" cmpd="sng" algn="ctr">
+                      <a:solidFill>
+                        <a:schemeClr val="tx1"/>
+                      </a:solidFill>
+                      <a:prstDash val="solid"/>
+                      <a:round/>
+                      <a:headEnd type="none" w="med" len="med"/>
+                      <a:tailEnd type="none" w="med" len="med"/>
+                    </a:lnB>
+                    <a:solidFill>
+                      <a:schemeClr val="bg1"/>
+                    </a:solidFill>
+                  </a:tcPr>
+                </a:tc>
+              </a:tr>
+              <a:tr h="397351">
+                <a:tc>
+                  <a:txBody>
+                    <a:bodyPr/>
+                    <a:lstStyle/>
+                    <a:p>
+                      <a:pPr algn="ctr" latinLnBrk="1"/>
+                      <a:r>
+                        <a:rPr lang="en-US" altLang="ko-KR" sz="1200" dirty="0" smtClean="0"/>
+                        <a:t>0</a:t>
+                      </a:r>
+                      <a:endParaRPr lang="ko-KR" altLang="en-US" sz="1200" dirty="0"/>
+                    </a:p>
+                  </a:txBody>
+                  <a:tcPr>
+                    <a:lnL w="12700" cap="flat" cmpd="sng" algn="ctr">
+                      <a:solidFill>
+                        <a:schemeClr val="tx1"/>
+                      </a:solidFill>
+                      <a:prstDash val="solid"/>
+                      <a:round/>
+                      <a:headEnd type="none" w="med" len="med"/>
+                      <a:tailEnd type="none" w="med" len="med"/>
+                    </a:lnL>
+                    <a:lnR w="12700" cap="flat" cmpd="sng" algn="ctr">
+                      <a:solidFill>
+                        <a:schemeClr val="tx1"/>
+                      </a:solidFill>
+                      <a:prstDash val="solid"/>
+                      <a:round/>
+                      <a:headEnd type="none" w="med" len="med"/>
+                      <a:tailEnd type="none" w="med" len="med"/>
+                    </a:lnR>
+                    <a:lnT w="12700" cap="flat" cmpd="sng" algn="ctr">
+                      <a:solidFill>
+                        <a:schemeClr val="tx1"/>
+                      </a:solidFill>
+                      <a:prstDash val="solid"/>
+                      <a:round/>
+                      <a:headEnd type="none" w="med" len="med"/>
+                      <a:tailEnd type="none" w="med" len="med"/>
+                    </a:lnT>
+                    <a:lnB w="12700" cap="flat" cmpd="sng" algn="ctr">
+                      <a:solidFill>
+                        <a:schemeClr val="tx1"/>
+                      </a:solidFill>
+                      <a:prstDash val="solid"/>
+                      <a:round/>
+                      <a:headEnd type="none" w="med" len="med"/>
+                      <a:tailEnd type="none" w="med" len="med"/>
+                    </a:lnB>
+                    <a:solidFill>
+                      <a:schemeClr val="bg1"/>
+                    </a:solidFill>
+                  </a:tcPr>
+                </a:tc>
+                <a:tc gridSpan="2">
+                  <a:txBody>
+                    <a:bodyPr/>
+                    <a:lstStyle/>
+                    <a:p>
+                      <a:pPr marL="0" marR="0" indent="0" algn="ctr" defTabSz="914400" rtl="0" eaLnBrk="1" fontAlgn="auto" latinLnBrk="1" hangingPunct="1">
+                        <a:lnSpc>
+                          <a:spcPct val="100000"/>
+                        </a:lnSpc>
+                        <a:spcBef>
+                          <a:spcPts val="0"/>
+                        </a:spcBef>
+                        <a:spcAft>
+                          <a:spcPts val="0"/>
+                        </a:spcAft>
+                        <a:buClrTx/>
+                        <a:buSzTx/>
+                        <a:buFontTx/>
+                        <a:buNone/>
+                        <a:tabLst/>
+                        <a:defRPr/>
+                      </a:pPr>
+                      <a:r>
+                        <a:rPr lang="ko-KR" altLang="en-US" sz="1000" dirty="0" smtClean="0">
+                          <a:solidFill>
+                            <a:schemeClr val="tx1"/>
+                          </a:solidFill>
+                        </a:rPr>
+                        <a:t>요구사항 변경 적용</a:t>
+                      </a:r>
+                      <a:endParaRPr lang="en-US" altLang="ko-KR" sz="1000" dirty="0" smtClean="0">
+                        <a:solidFill>
+                          <a:schemeClr val="tx1"/>
+                        </a:solidFill>
+                      </a:endParaRPr>
+                    </a:p>
+                  </a:txBody>
+                  <a:tcPr>
+                    <a:lnL w="12700" cap="flat" cmpd="sng" algn="ctr">
+                      <a:solidFill>
+                        <a:schemeClr val="tx1"/>
+                      </a:solidFill>
+                      <a:prstDash val="solid"/>
+                      <a:round/>
+                      <a:headEnd type="none" w="med" len="med"/>
+                      <a:tailEnd type="none" w="med" len="med"/>
+                    </a:lnL>
+                    <a:lnR w="12700" cap="flat" cmpd="sng" algn="ctr">
+                      <a:solidFill>
+                        <a:schemeClr val="tx1"/>
+                      </a:solidFill>
+                      <a:prstDash val="solid"/>
+                      <a:round/>
+                      <a:headEnd type="none" w="med" len="med"/>
+                      <a:tailEnd type="none" w="med" len="med"/>
+                    </a:lnR>
+                    <a:lnT w="12700" cap="flat" cmpd="sng" algn="ctr">
+                      <a:solidFill>
+                        <a:schemeClr val="tx1"/>
+                      </a:solidFill>
+                      <a:prstDash val="solid"/>
+                      <a:round/>
+                      <a:headEnd type="none" w="med" len="med"/>
+                      <a:tailEnd type="none" w="med" len="med"/>
+                    </a:lnT>
+                    <a:lnB w="12700" cap="flat" cmpd="sng" algn="ctr">
+                      <a:solidFill>
+                        <a:schemeClr val="tx1"/>
+                      </a:solidFill>
+                      <a:prstDash val="solid"/>
+                      <a:round/>
+                      <a:headEnd type="none" w="med" len="med"/>
+                      <a:tailEnd type="none" w="med" len="med"/>
+                    </a:lnB>
+                    <a:solidFill>
+                      <a:schemeClr val="bg1"/>
+                    </a:solidFill>
+                  </a:tcPr>
+                </a:tc>
+                <a:tc hMerge="1">
+                  <a:txBody>
+                    <a:bodyPr/>
+                    <a:lstStyle/>
+                    <a:p>
+                      <a:pPr latinLnBrk="1"/>
+                      <a:endParaRPr lang="ko-KR" altLang="en-US" dirty="0"/>
+                    </a:p>
+                  </a:txBody>
+                  <a:tcPr>
+                    <a:lnL w="12700" cap="flat" cmpd="sng" algn="ctr">
+                      <a:solidFill>
+                        <a:schemeClr val="tx1"/>
+                      </a:solidFill>
+                      <a:prstDash val="solid"/>
+                      <a:round/>
+                      <a:headEnd type="none" w="med" len="med"/>
+                      <a:tailEnd type="none" w="med" len="med"/>
+                    </a:lnL>
+                    <a:lnR w="12700" cap="flat" cmpd="sng" algn="ctr">
+                      <a:solidFill>
+                        <a:schemeClr val="tx1"/>
+                      </a:solidFill>
+                      <a:prstDash val="solid"/>
+                      <a:round/>
+                      <a:headEnd type="none" w="med" len="med"/>
+                      <a:tailEnd type="none" w="med" len="med"/>
+                    </a:lnR>
+                    <a:lnT w="12700" cap="flat" cmpd="sng" algn="ctr">
+                      <a:solidFill>
+                        <a:schemeClr val="tx1"/>
+                      </a:solidFill>
+                      <a:prstDash val="solid"/>
+                      <a:round/>
+                      <a:headEnd type="none" w="med" len="med"/>
+                      <a:tailEnd type="none" w="med" len="med"/>
+                    </a:lnT>
+                    <a:lnB w="12700" cap="flat" cmpd="sng" algn="ctr">
+                      <a:solidFill>
+                        <a:schemeClr val="tx1"/>
+                      </a:solidFill>
+                      <a:prstDash val="solid"/>
+                      <a:round/>
+                      <a:headEnd type="none" w="med" len="med"/>
+                      <a:tailEnd type="none" w="med" len="med"/>
+                    </a:lnB>
+                    <a:solidFill>
+                      <a:schemeClr val="bg1"/>
+                    </a:solidFill>
+                  </a:tcPr>
+                </a:tc>
+              </a:tr>
+              <a:tr h="360040">
+                <a:tc>
+                  <a:txBody>
+                    <a:bodyPr/>
+                    <a:lstStyle/>
+                    <a:p>
+                      <a:pPr algn="ctr" latinLnBrk="1"/>
+                      <a:r>
+                        <a:rPr lang="en-US" altLang="ko-KR" sz="1200" dirty="0" smtClean="0"/>
+                        <a:t>37</a:t>
+                      </a:r>
+                    </a:p>
+                  </a:txBody>
+                  <a:tcPr>
+                    <a:lnL w="12700" cap="flat" cmpd="sng" algn="ctr">
+                      <a:solidFill>
+                        <a:schemeClr val="tx1"/>
+                      </a:solidFill>
+                      <a:prstDash val="solid"/>
+                      <a:round/>
+                      <a:headEnd type="none" w="med" len="med"/>
+                      <a:tailEnd type="none" w="med" len="med"/>
+                    </a:lnL>
+                    <a:lnR w="12700" cap="flat" cmpd="sng" algn="ctr">
+                      <a:solidFill>
+                        <a:schemeClr val="tx1"/>
+                      </a:solidFill>
+                      <a:prstDash val="solid"/>
+                      <a:round/>
+                      <a:headEnd type="none" w="med" len="med"/>
+                      <a:tailEnd type="none" w="med" len="med"/>
+                    </a:lnR>
+                    <a:lnT w="12700" cap="flat" cmpd="sng" algn="ctr">
+                      <a:solidFill>
+                        <a:schemeClr val="tx1"/>
+                      </a:solidFill>
+                      <a:prstDash val="solid"/>
+                      <a:round/>
+                      <a:headEnd type="none" w="med" len="med"/>
+                      <a:tailEnd type="none" w="med" len="med"/>
+                    </a:lnT>
+                    <a:lnB w="12700" cap="flat" cmpd="sng" algn="ctr">
+                      <a:solidFill>
+                        <a:schemeClr val="tx1"/>
+                      </a:solidFill>
+                      <a:prstDash val="solid"/>
+                      <a:round/>
+                      <a:headEnd type="none" w="med" len="med"/>
+                      <a:tailEnd type="none" w="med" len="med"/>
+                    </a:lnB>
+                    <a:solidFill>
+                      <a:schemeClr val="bg1"/>
+                    </a:solidFill>
+                  </a:tcPr>
+                </a:tc>
+                <a:tc>
+                  <a:txBody>
+                    <a:bodyPr/>
+                    <a:lstStyle/>
+                    <a:p>
+                      <a:pPr algn="ctr" latinLnBrk="1"/>
+                      <a:r>
+                        <a:rPr lang="en-US" altLang="ko-KR" sz="1200" dirty="0" smtClean="0"/>
+                        <a:t>3</a:t>
+                      </a:r>
+                      <a:endParaRPr lang="ko-KR" altLang="en-US" sz="1200" dirty="0"/>
+                    </a:p>
+                  </a:txBody>
+                  <a:tcPr>
+                    <a:lnL w="12700" cap="flat" cmpd="sng" algn="ctr">
+                      <a:solidFill>
+                        <a:schemeClr val="tx1"/>
+                      </a:solidFill>
+                      <a:prstDash val="solid"/>
+                      <a:round/>
+                      <a:headEnd type="none" w="med" len="med"/>
+                      <a:tailEnd type="none" w="med" len="med"/>
+                    </a:lnL>
+                    <a:lnR w="12700" cap="flat" cmpd="sng" algn="ctr">
+                      <a:solidFill>
+                        <a:schemeClr val="tx1"/>
+                      </a:solidFill>
+                      <a:prstDash val="solid"/>
+                      <a:round/>
+                      <a:headEnd type="none" w="med" len="med"/>
+                      <a:tailEnd type="none" w="med" len="med"/>
+                    </a:lnR>
+                    <a:lnT w="12700" cap="flat" cmpd="sng" algn="ctr">
+                      <a:solidFill>
+                        <a:schemeClr val="tx1"/>
+                      </a:solidFill>
+                      <a:prstDash val="solid"/>
+                      <a:round/>
+                      <a:headEnd type="none" w="med" len="med"/>
+                      <a:tailEnd type="none" w="med" len="med"/>
+                    </a:lnT>
+                    <a:lnB w="12700" cap="flat" cmpd="sng" algn="ctr">
+                      <a:solidFill>
+                        <a:schemeClr val="tx1"/>
+                      </a:solidFill>
+                      <a:prstDash val="solid"/>
+                      <a:round/>
+                      <a:headEnd type="none" w="med" len="med"/>
+                      <a:tailEnd type="none" w="med" len="med"/>
+                    </a:lnB>
+                    <a:solidFill>
+                      <a:schemeClr val="bg1"/>
+                    </a:solidFill>
+                  </a:tcPr>
+                </a:tc>
+                <a:tc>
+                  <a:txBody>
+                    <a:bodyPr/>
+                    <a:lstStyle/>
+                    <a:p>
+                      <a:pPr algn="ctr" latinLnBrk="1"/>
+                      <a:r>
+                        <a:rPr lang="en-US" altLang="ko-KR" sz="1200" dirty="0" smtClean="0"/>
+                        <a:t>40</a:t>
+                      </a:r>
+                      <a:endParaRPr lang="ko-KR" altLang="en-US" sz="1200" dirty="0"/>
+                    </a:p>
+                  </a:txBody>
+                  <a:tcPr>
+                    <a:lnL w="12700" cap="flat" cmpd="sng" algn="ctr">
+                      <a:solidFill>
+                        <a:schemeClr val="tx1"/>
+                      </a:solidFill>
+                      <a:prstDash val="solid"/>
+                      <a:round/>
+                      <a:headEnd type="none" w="med" len="med"/>
+                      <a:tailEnd type="none" w="med" len="med"/>
+                    </a:lnL>
+                    <a:lnR w="12700" cap="flat" cmpd="sng" algn="ctr">
+                      <a:solidFill>
+                        <a:schemeClr val="tx1"/>
+                      </a:solidFill>
+                      <a:prstDash val="solid"/>
+                      <a:round/>
+                      <a:headEnd type="none" w="med" len="med"/>
+                      <a:tailEnd type="none" w="med" len="med"/>
+                    </a:lnR>
+                    <a:lnT w="12700" cap="flat" cmpd="sng" algn="ctr">
+                      <a:solidFill>
+                        <a:schemeClr val="tx1"/>
+                      </a:solidFill>
+                      <a:prstDash val="solid"/>
+                      <a:round/>
+                      <a:headEnd type="none" w="med" len="med"/>
+                      <a:tailEnd type="none" w="med" len="med"/>
+                    </a:lnT>
+                    <a:lnB w="12700" cap="flat" cmpd="sng" algn="ctr">
+                      <a:solidFill>
+                        <a:schemeClr val="tx1"/>
+                      </a:solidFill>
+                      <a:prstDash val="solid"/>
+                      <a:round/>
+                      <a:headEnd type="none" w="med" len="med"/>
+                      <a:tailEnd type="none" w="med" len="med"/>
+                    </a:lnB>
+                    <a:solidFill>
+                      <a:schemeClr val="bg1"/>
+                    </a:solidFill>
+                  </a:tcPr>
+                </a:tc>
+              </a:tr>
+            </a:tbl>
+          </a:graphicData>
+        </a:graphic>
+      </p:graphicFrame>
+      <p:cxnSp>
+        <p:nvCxnSpPr>
+          <p:cNvPr id="14" name="직선 연결선 13"/>
+          <p:cNvCxnSpPr/>
+          <p:nvPr/>
+        </p:nvCxnSpPr>
+        <p:spPr>
+          <a:xfrm>
+            <a:off x="2280370" y="4068819"/>
+            <a:ext cx="432049" cy="0"/>
+          </a:xfrm>
+          <a:prstGeom prst="line">
+            <a:avLst/>
+          </a:prstGeom>
+          <a:ln>
+            <a:solidFill>
+              <a:schemeClr val="tx1"/>
+            </a:solidFill>
+            <a:headEnd type="none"/>
+            <a:tailEnd type="triangle"/>
+          </a:ln>
+        </p:spPr>
+        <p:style>
+          <a:lnRef idx="1">
+            <a:schemeClr val="accent1"/>
+          </a:lnRef>
+          <a:fillRef idx="0">
+            <a:schemeClr val="accent1"/>
+          </a:fillRef>
+          <a:effectRef idx="0">
+            <a:schemeClr val="accent1"/>
+          </a:effectRef>
+          <a:fontRef idx="minor">
+            <a:schemeClr val="tx1"/>
+          </a:fontRef>
+        </p:style>
+      </p:cxnSp>
     </p:spTree>
     <p:extLst>
       <p:ext uri="{BB962C8B-B14F-4D97-AF65-F5344CB8AC3E}">
-        <p14:creationId xmlns:p14="http://schemas.microsoft.com/office/powerpoint/2010/main" val="3886063484"/>
+        <p14:creationId xmlns:p14="http://schemas.microsoft.com/office/powerpoint/2010/main" val="217907619"/>
       </p:ext>
     </p:extLst>
   </p:cSld>

--- a/doc/2_ 프로젝트 계획서/계획서 자료/Gantt Chart, PERT Chart.pptx
+++ b/doc/2_ 프로젝트 계획서/계획서 자료/Gantt Chart, PERT Chart.pptx
@@ -3544,13 +3544,13 @@
           <p:nvPr>
             <p:extLst>
               <p:ext uri="{D42A27DB-BD31-4B8C-83A1-F6EECF244321}">
-                <p14:modId xmlns:p14="http://schemas.microsoft.com/office/powerpoint/2010/main" val="1991994842"/>
+                <p14:modId xmlns:p14="http://schemas.microsoft.com/office/powerpoint/2010/main" val="1042136740"/>
               </p:ext>
             </p:extLst>
           </p:nvPr>
         </p:nvGraphicFramePr>
         <p:xfrm>
-          <a:off x="371475" y="836707"/>
+          <a:off x="542035" y="836707"/>
           <a:ext cx="4966069" cy="5541285"/>
         </p:xfrm>
         <a:graphic>
